--- a/papers/WACAI_2016/figs/statePref.pptx
+++ b/papers/WACAI_2016/figs/statePref.pptx
@@ -5,12 +5,7 @@
     <p:sldMasterId id="2147483648" r:id="rId1"/>
   </p:sldMasterIdLst>
   <p:sldIdLst>
-    <p:sldId id="258" r:id="rId2"/>
-    <p:sldId id="259" r:id="rId3"/>
-    <p:sldId id="265" r:id="rId4"/>
-    <p:sldId id="260" r:id="rId5"/>
-    <p:sldId id="262" r:id="rId6"/>
-    <p:sldId id="264" r:id="rId7"/>
+    <p:sldId id="256" r:id="rId2"/>
   </p:sldIdLst>
   <p:sldSz cx="9144000" cy="6858000" type="screen4x3"/>
   <p:notesSz cx="6858000" cy="9144000"/>
@@ -291,9 +286,9 @@
           <a:bodyPr/>
           <a:lstStyle/>
           <a:p>
-            <a:fld id="{50C57C4B-6EA6-4742-AB5E-2F4DB4D08128}" type="datetimeFigureOut">
-              <a:rPr lang="fr-FR" smtClean="0"/>
-              <a:t>13/04/2016</a:t>
+            <a:fld id="{F2689293-C4F3-4144-AB9C-61D505DB6B46}" type="datetimeFigureOut">
+              <a:rPr lang="fr-FR" smtClean="0"/>
+              <a:t>14/04/2016</a:t>
             </a:fld>
             <a:endParaRPr lang="fr-FR"/>
           </a:p>
@@ -333,7 +328,7 @@
           <a:bodyPr/>
           <a:lstStyle/>
           <a:p>
-            <a:fld id="{A3AD7AD1-1ECC-4031-B2CA-A1AE06E94CE4}" type="slidenum">
+            <a:fld id="{315EF537-C4CA-4713-91A1-2222D9868184}" type="slidenum">
               <a:rPr lang="fr-FR" smtClean="0"/>
               <a:t>‹N°›</a:t>
             </a:fld>
@@ -344,7 +339,7 @@
     </p:spTree>
     <p:extLst>
       <p:ext uri="{BB962C8B-B14F-4D97-AF65-F5344CB8AC3E}">
-        <p14:creationId xmlns:p14="http://schemas.microsoft.com/office/powerpoint/2010/main" val="1384555562"/>
+        <p14:creationId xmlns:p14="http://schemas.microsoft.com/office/powerpoint/2010/main" val="347068308"/>
       </p:ext>
     </p:extLst>
   </p:cSld>
@@ -461,9 +456,9 @@
           <a:bodyPr/>
           <a:lstStyle/>
           <a:p>
-            <a:fld id="{50C57C4B-6EA6-4742-AB5E-2F4DB4D08128}" type="datetimeFigureOut">
-              <a:rPr lang="fr-FR" smtClean="0"/>
-              <a:t>13/04/2016</a:t>
+            <a:fld id="{F2689293-C4F3-4144-AB9C-61D505DB6B46}" type="datetimeFigureOut">
+              <a:rPr lang="fr-FR" smtClean="0"/>
+              <a:t>14/04/2016</a:t>
             </a:fld>
             <a:endParaRPr lang="fr-FR"/>
           </a:p>
@@ -503,7 +498,7 @@
           <a:bodyPr/>
           <a:lstStyle/>
           <a:p>
-            <a:fld id="{A3AD7AD1-1ECC-4031-B2CA-A1AE06E94CE4}" type="slidenum">
+            <a:fld id="{315EF537-C4CA-4713-91A1-2222D9868184}" type="slidenum">
               <a:rPr lang="fr-FR" smtClean="0"/>
               <a:t>‹N°›</a:t>
             </a:fld>
@@ -514,7 +509,7 @@
     </p:spTree>
     <p:extLst>
       <p:ext uri="{BB962C8B-B14F-4D97-AF65-F5344CB8AC3E}">
-        <p14:creationId xmlns:p14="http://schemas.microsoft.com/office/powerpoint/2010/main" val="2830917556"/>
+        <p14:creationId xmlns:p14="http://schemas.microsoft.com/office/powerpoint/2010/main" val="2944622485"/>
       </p:ext>
     </p:extLst>
   </p:cSld>
@@ -641,9 +636,9 @@
           <a:bodyPr/>
           <a:lstStyle/>
           <a:p>
-            <a:fld id="{50C57C4B-6EA6-4742-AB5E-2F4DB4D08128}" type="datetimeFigureOut">
-              <a:rPr lang="fr-FR" smtClean="0"/>
-              <a:t>13/04/2016</a:t>
+            <a:fld id="{F2689293-C4F3-4144-AB9C-61D505DB6B46}" type="datetimeFigureOut">
+              <a:rPr lang="fr-FR" smtClean="0"/>
+              <a:t>14/04/2016</a:t>
             </a:fld>
             <a:endParaRPr lang="fr-FR"/>
           </a:p>
@@ -683,7 +678,7 @@
           <a:bodyPr/>
           <a:lstStyle/>
           <a:p>
-            <a:fld id="{A3AD7AD1-1ECC-4031-B2CA-A1AE06E94CE4}" type="slidenum">
+            <a:fld id="{315EF537-C4CA-4713-91A1-2222D9868184}" type="slidenum">
               <a:rPr lang="fr-FR" smtClean="0"/>
               <a:t>‹N°›</a:t>
             </a:fld>
@@ -694,7 +689,7 @@
     </p:spTree>
     <p:extLst>
       <p:ext uri="{BB962C8B-B14F-4D97-AF65-F5344CB8AC3E}">
-        <p14:creationId xmlns:p14="http://schemas.microsoft.com/office/powerpoint/2010/main" val="2957772163"/>
+        <p14:creationId xmlns:p14="http://schemas.microsoft.com/office/powerpoint/2010/main" val="967106603"/>
       </p:ext>
     </p:extLst>
   </p:cSld>
@@ -811,9 +806,9 @@
           <a:bodyPr/>
           <a:lstStyle/>
           <a:p>
-            <a:fld id="{50C57C4B-6EA6-4742-AB5E-2F4DB4D08128}" type="datetimeFigureOut">
-              <a:rPr lang="fr-FR" smtClean="0"/>
-              <a:t>13/04/2016</a:t>
+            <a:fld id="{F2689293-C4F3-4144-AB9C-61D505DB6B46}" type="datetimeFigureOut">
+              <a:rPr lang="fr-FR" smtClean="0"/>
+              <a:t>14/04/2016</a:t>
             </a:fld>
             <a:endParaRPr lang="fr-FR"/>
           </a:p>
@@ -853,7 +848,7 @@
           <a:bodyPr/>
           <a:lstStyle/>
           <a:p>
-            <a:fld id="{A3AD7AD1-1ECC-4031-B2CA-A1AE06E94CE4}" type="slidenum">
+            <a:fld id="{315EF537-C4CA-4713-91A1-2222D9868184}" type="slidenum">
               <a:rPr lang="fr-FR" smtClean="0"/>
               <a:t>‹N°›</a:t>
             </a:fld>
@@ -864,7 +859,7 @@
     </p:spTree>
     <p:extLst>
       <p:ext uri="{BB962C8B-B14F-4D97-AF65-F5344CB8AC3E}">
-        <p14:creationId xmlns:p14="http://schemas.microsoft.com/office/powerpoint/2010/main" val="1130768218"/>
+        <p14:creationId xmlns:p14="http://schemas.microsoft.com/office/powerpoint/2010/main" val="1884824135"/>
       </p:ext>
     </p:extLst>
   </p:cSld>
@@ -1057,9 +1052,9 @@
           <a:bodyPr/>
           <a:lstStyle/>
           <a:p>
-            <a:fld id="{50C57C4B-6EA6-4742-AB5E-2F4DB4D08128}" type="datetimeFigureOut">
-              <a:rPr lang="fr-FR" smtClean="0"/>
-              <a:t>13/04/2016</a:t>
+            <a:fld id="{F2689293-C4F3-4144-AB9C-61D505DB6B46}" type="datetimeFigureOut">
+              <a:rPr lang="fr-FR" smtClean="0"/>
+              <a:t>14/04/2016</a:t>
             </a:fld>
             <a:endParaRPr lang="fr-FR"/>
           </a:p>
@@ -1099,7 +1094,7 @@
           <a:bodyPr/>
           <a:lstStyle/>
           <a:p>
-            <a:fld id="{A3AD7AD1-1ECC-4031-B2CA-A1AE06E94CE4}" type="slidenum">
+            <a:fld id="{315EF537-C4CA-4713-91A1-2222D9868184}" type="slidenum">
               <a:rPr lang="fr-FR" smtClean="0"/>
               <a:t>‹N°›</a:t>
             </a:fld>
@@ -1110,7 +1105,7 @@
     </p:spTree>
     <p:extLst>
       <p:ext uri="{BB962C8B-B14F-4D97-AF65-F5344CB8AC3E}">
-        <p14:creationId xmlns:p14="http://schemas.microsoft.com/office/powerpoint/2010/main" val="2702402871"/>
+        <p14:creationId xmlns:p14="http://schemas.microsoft.com/office/powerpoint/2010/main" val="83388635"/>
       </p:ext>
     </p:extLst>
   </p:cSld>
@@ -1345,9 +1340,9 @@
           <a:bodyPr/>
           <a:lstStyle/>
           <a:p>
-            <a:fld id="{50C57C4B-6EA6-4742-AB5E-2F4DB4D08128}" type="datetimeFigureOut">
-              <a:rPr lang="fr-FR" smtClean="0"/>
-              <a:t>13/04/2016</a:t>
+            <a:fld id="{F2689293-C4F3-4144-AB9C-61D505DB6B46}" type="datetimeFigureOut">
+              <a:rPr lang="fr-FR" smtClean="0"/>
+              <a:t>14/04/2016</a:t>
             </a:fld>
             <a:endParaRPr lang="fr-FR"/>
           </a:p>
@@ -1387,7 +1382,7 @@
           <a:bodyPr/>
           <a:lstStyle/>
           <a:p>
-            <a:fld id="{A3AD7AD1-1ECC-4031-B2CA-A1AE06E94CE4}" type="slidenum">
+            <a:fld id="{315EF537-C4CA-4713-91A1-2222D9868184}" type="slidenum">
               <a:rPr lang="fr-FR" smtClean="0"/>
               <a:t>‹N°›</a:t>
             </a:fld>
@@ -1398,7 +1393,7 @@
     </p:spTree>
     <p:extLst>
       <p:ext uri="{BB962C8B-B14F-4D97-AF65-F5344CB8AC3E}">
-        <p14:creationId xmlns:p14="http://schemas.microsoft.com/office/powerpoint/2010/main" val="4012372324"/>
+        <p14:creationId xmlns:p14="http://schemas.microsoft.com/office/powerpoint/2010/main" val="2287868733"/>
       </p:ext>
     </p:extLst>
   </p:cSld>
@@ -1767,9 +1762,9 @@
           <a:bodyPr/>
           <a:lstStyle/>
           <a:p>
-            <a:fld id="{50C57C4B-6EA6-4742-AB5E-2F4DB4D08128}" type="datetimeFigureOut">
-              <a:rPr lang="fr-FR" smtClean="0"/>
-              <a:t>13/04/2016</a:t>
+            <a:fld id="{F2689293-C4F3-4144-AB9C-61D505DB6B46}" type="datetimeFigureOut">
+              <a:rPr lang="fr-FR" smtClean="0"/>
+              <a:t>14/04/2016</a:t>
             </a:fld>
             <a:endParaRPr lang="fr-FR"/>
           </a:p>
@@ -1809,7 +1804,7 @@
           <a:bodyPr/>
           <a:lstStyle/>
           <a:p>
-            <a:fld id="{A3AD7AD1-1ECC-4031-B2CA-A1AE06E94CE4}" type="slidenum">
+            <a:fld id="{315EF537-C4CA-4713-91A1-2222D9868184}" type="slidenum">
               <a:rPr lang="fr-FR" smtClean="0"/>
               <a:t>‹N°›</a:t>
             </a:fld>
@@ -1820,7 +1815,7 @@
     </p:spTree>
     <p:extLst>
       <p:ext uri="{BB962C8B-B14F-4D97-AF65-F5344CB8AC3E}">
-        <p14:creationId xmlns:p14="http://schemas.microsoft.com/office/powerpoint/2010/main" val="2351350225"/>
+        <p14:creationId xmlns:p14="http://schemas.microsoft.com/office/powerpoint/2010/main" val="3906392819"/>
       </p:ext>
     </p:extLst>
   </p:cSld>
@@ -1885,9 +1880,9 @@
           <a:bodyPr/>
           <a:lstStyle/>
           <a:p>
-            <a:fld id="{50C57C4B-6EA6-4742-AB5E-2F4DB4D08128}" type="datetimeFigureOut">
-              <a:rPr lang="fr-FR" smtClean="0"/>
-              <a:t>13/04/2016</a:t>
+            <a:fld id="{F2689293-C4F3-4144-AB9C-61D505DB6B46}" type="datetimeFigureOut">
+              <a:rPr lang="fr-FR" smtClean="0"/>
+              <a:t>14/04/2016</a:t>
             </a:fld>
             <a:endParaRPr lang="fr-FR"/>
           </a:p>
@@ -1927,7 +1922,7 @@
           <a:bodyPr/>
           <a:lstStyle/>
           <a:p>
-            <a:fld id="{A3AD7AD1-1ECC-4031-B2CA-A1AE06E94CE4}" type="slidenum">
+            <a:fld id="{315EF537-C4CA-4713-91A1-2222D9868184}" type="slidenum">
               <a:rPr lang="fr-FR" smtClean="0"/>
               <a:t>‹N°›</a:t>
             </a:fld>
@@ -1938,7 +1933,7 @@
     </p:spTree>
     <p:extLst>
       <p:ext uri="{BB962C8B-B14F-4D97-AF65-F5344CB8AC3E}">
-        <p14:creationId xmlns:p14="http://schemas.microsoft.com/office/powerpoint/2010/main" val="973629556"/>
+        <p14:creationId xmlns:p14="http://schemas.microsoft.com/office/powerpoint/2010/main" val="2701147774"/>
       </p:ext>
     </p:extLst>
   </p:cSld>
@@ -1980,9 +1975,9 @@
           <a:bodyPr/>
           <a:lstStyle/>
           <a:p>
-            <a:fld id="{50C57C4B-6EA6-4742-AB5E-2F4DB4D08128}" type="datetimeFigureOut">
-              <a:rPr lang="fr-FR" smtClean="0"/>
-              <a:t>13/04/2016</a:t>
+            <a:fld id="{F2689293-C4F3-4144-AB9C-61D505DB6B46}" type="datetimeFigureOut">
+              <a:rPr lang="fr-FR" smtClean="0"/>
+              <a:t>14/04/2016</a:t>
             </a:fld>
             <a:endParaRPr lang="fr-FR"/>
           </a:p>
@@ -2022,7 +2017,7 @@
           <a:bodyPr/>
           <a:lstStyle/>
           <a:p>
-            <a:fld id="{A3AD7AD1-1ECC-4031-B2CA-A1AE06E94CE4}" type="slidenum">
+            <a:fld id="{315EF537-C4CA-4713-91A1-2222D9868184}" type="slidenum">
               <a:rPr lang="fr-FR" smtClean="0"/>
               <a:t>‹N°›</a:t>
             </a:fld>
@@ -2033,7 +2028,7 @@
     </p:spTree>
     <p:extLst>
       <p:ext uri="{BB962C8B-B14F-4D97-AF65-F5344CB8AC3E}">
-        <p14:creationId xmlns:p14="http://schemas.microsoft.com/office/powerpoint/2010/main" val="1848655439"/>
+        <p14:creationId xmlns:p14="http://schemas.microsoft.com/office/powerpoint/2010/main" val="1616918740"/>
       </p:ext>
     </p:extLst>
   </p:cSld>
@@ -2257,9 +2252,9 @@
           <a:bodyPr/>
           <a:lstStyle/>
           <a:p>
-            <a:fld id="{50C57C4B-6EA6-4742-AB5E-2F4DB4D08128}" type="datetimeFigureOut">
-              <a:rPr lang="fr-FR" smtClean="0"/>
-              <a:t>13/04/2016</a:t>
+            <a:fld id="{F2689293-C4F3-4144-AB9C-61D505DB6B46}" type="datetimeFigureOut">
+              <a:rPr lang="fr-FR" smtClean="0"/>
+              <a:t>14/04/2016</a:t>
             </a:fld>
             <a:endParaRPr lang="fr-FR"/>
           </a:p>
@@ -2299,7 +2294,7 @@
           <a:bodyPr/>
           <a:lstStyle/>
           <a:p>
-            <a:fld id="{A3AD7AD1-1ECC-4031-B2CA-A1AE06E94CE4}" type="slidenum">
+            <a:fld id="{315EF537-C4CA-4713-91A1-2222D9868184}" type="slidenum">
               <a:rPr lang="fr-FR" smtClean="0"/>
               <a:t>‹N°›</a:t>
             </a:fld>
@@ -2310,7 +2305,7 @@
     </p:spTree>
     <p:extLst>
       <p:ext uri="{BB962C8B-B14F-4D97-AF65-F5344CB8AC3E}">
-        <p14:creationId xmlns:p14="http://schemas.microsoft.com/office/powerpoint/2010/main" val="1918105082"/>
+        <p14:creationId xmlns:p14="http://schemas.microsoft.com/office/powerpoint/2010/main" val="3524853456"/>
       </p:ext>
     </p:extLst>
   </p:cSld>
@@ -2510,9 +2505,9 @@
           <a:bodyPr/>
           <a:lstStyle/>
           <a:p>
-            <a:fld id="{50C57C4B-6EA6-4742-AB5E-2F4DB4D08128}" type="datetimeFigureOut">
-              <a:rPr lang="fr-FR" smtClean="0"/>
-              <a:t>13/04/2016</a:t>
+            <a:fld id="{F2689293-C4F3-4144-AB9C-61D505DB6B46}" type="datetimeFigureOut">
+              <a:rPr lang="fr-FR" smtClean="0"/>
+              <a:t>14/04/2016</a:t>
             </a:fld>
             <a:endParaRPr lang="fr-FR"/>
           </a:p>
@@ -2552,7 +2547,7 @@
           <a:bodyPr/>
           <a:lstStyle/>
           <a:p>
-            <a:fld id="{A3AD7AD1-1ECC-4031-B2CA-A1AE06E94CE4}" type="slidenum">
+            <a:fld id="{315EF537-C4CA-4713-91A1-2222D9868184}" type="slidenum">
               <a:rPr lang="fr-FR" smtClean="0"/>
               <a:t>‹N°›</a:t>
             </a:fld>
@@ -2563,7 +2558,7 @@
     </p:spTree>
     <p:extLst>
       <p:ext uri="{BB962C8B-B14F-4D97-AF65-F5344CB8AC3E}">
-        <p14:creationId xmlns:p14="http://schemas.microsoft.com/office/powerpoint/2010/main" val="3524082555"/>
+        <p14:creationId xmlns:p14="http://schemas.microsoft.com/office/powerpoint/2010/main" val="3863693442"/>
       </p:ext>
     </p:extLst>
   </p:cSld>
@@ -2723,9 +2718,9 @@
             </a:lvl1pPr>
           </a:lstStyle>
           <a:p>
-            <a:fld id="{50C57C4B-6EA6-4742-AB5E-2F4DB4D08128}" type="datetimeFigureOut">
-              <a:rPr lang="fr-FR" smtClean="0"/>
-              <a:t>13/04/2016</a:t>
+            <a:fld id="{F2689293-C4F3-4144-AB9C-61D505DB6B46}" type="datetimeFigureOut">
+              <a:rPr lang="fr-FR" smtClean="0"/>
+              <a:t>14/04/2016</a:t>
             </a:fld>
             <a:endParaRPr lang="fr-FR"/>
           </a:p>
@@ -2801,7 +2796,7 @@
             </a:lvl1pPr>
           </a:lstStyle>
           <a:p>
-            <a:fld id="{A3AD7AD1-1ECC-4031-B2CA-A1AE06E94CE4}" type="slidenum">
+            <a:fld id="{315EF537-C4CA-4713-91A1-2222D9868184}" type="slidenum">
               <a:rPr lang="fr-FR" smtClean="0"/>
               <a:t>‹N°›</a:t>
             </a:fld>
@@ -2812,7 +2807,7 @@
     </p:spTree>
     <p:extLst>
       <p:ext uri="{BB962C8B-B14F-4D97-AF65-F5344CB8AC3E}">
-        <p14:creationId xmlns:p14="http://schemas.microsoft.com/office/powerpoint/2010/main" val="618465733"/>
+        <p14:creationId xmlns:p14="http://schemas.microsoft.com/office/powerpoint/2010/main" val="3677117558"/>
       </p:ext>
     </p:extLst>
   </p:cSld>
@@ -3102,177 +3097,7 @@
       </p:grpSpPr>
       <p:sp>
         <p:nvSpPr>
-          <p:cNvPr id="16" name="ZoneTexte 15"/>
-          <p:cNvSpPr txBox="1"/>
-          <p:nvPr/>
-        </p:nvSpPr>
-        <p:spPr>
-          <a:xfrm>
-            <a:off x="2809644" y="1556791"/>
-            <a:ext cx="3348372" cy="400110"/>
-          </a:xfrm>
-          <a:prstGeom prst="rect">
-            <a:avLst/>
-          </a:prstGeom>
-          <a:noFill/>
-          <a:ln>
-            <a:solidFill>
-              <a:schemeClr val="tx1"/>
-            </a:solidFill>
-          </a:ln>
-        </p:spPr>
-        <p:txBody>
-          <a:bodyPr wrap="square" rtlCol="0">
-            <a:spAutoFit/>
-          </a:bodyPr>
-          <a:lstStyle/>
-          <a:p>
-            <a:pPr algn="ctr"/>
-            <a:r>
-              <a:rPr lang="fr-FR" sz="2000" b="1" dirty="0" err="1" smtClean="0"/>
-              <a:t>Ask.Preference</a:t>
-            </a:r>
-            <a:r>
-              <a:rPr lang="fr-FR" sz="2000" b="1" dirty="0" smtClean="0"/>
-              <a:t>(C, </a:t>
-            </a:r>
-            <a:r>
-              <a:rPr lang="fr-FR" sz="2000" b="1" dirty="0" err="1" smtClean="0"/>
-              <a:t>less</a:t>
-            </a:r>
-            <a:r>
-              <a:rPr lang="fr-FR" sz="2000" b="1" dirty="0" smtClean="0"/>
-              <a:t>, more)</a:t>
-            </a:r>
-            <a:endParaRPr lang="fr-FR" sz="2000" b="1" dirty="0"/>
-          </a:p>
-        </p:txBody>
-      </p:sp>
-      <p:sp>
-        <p:nvSpPr>
-          <p:cNvPr id="18" name="ZoneTexte 17"/>
-          <p:cNvSpPr txBox="1"/>
-          <p:nvPr/>
-        </p:nvSpPr>
-        <p:spPr>
-          <a:xfrm>
-            <a:off x="2018476" y="3861048"/>
-            <a:ext cx="4930708" cy="400110"/>
-          </a:xfrm>
-          <a:prstGeom prst="rect">
-            <a:avLst/>
-          </a:prstGeom>
-          <a:noFill/>
-          <a:ln>
-            <a:solidFill>
-              <a:schemeClr val="tx1"/>
-            </a:solidFill>
-          </a:ln>
-        </p:spPr>
-        <p:txBody>
-          <a:bodyPr wrap="square" rtlCol="0">
-            <a:spAutoFit/>
-          </a:bodyPr>
-          <a:lstStyle/>
-          <a:p>
-            <a:pPr algn="ctr"/>
-            <a:r>
-              <a:rPr lang="fr-FR" sz="2000" dirty="0" err="1" smtClean="0"/>
-              <a:t>State.Preference</a:t>
-            </a:r>
-            <a:r>
-              <a:rPr lang="fr-FR" sz="2000" dirty="0" smtClean="0"/>
-              <a:t> (C, </a:t>
-            </a:r>
-            <a:r>
-              <a:rPr lang="fr-FR" sz="2000" dirty="0" err="1" smtClean="0"/>
-              <a:t>generateAsk</a:t>
-            </a:r>
-            <a:r>
-              <a:rPr lang="fr-FR" sz="2000" dirty="0" smtClean="0"/>
-              <a:t>(</a:t>
-            </a:r>
-            <a:r>
-              <a:rPr lang="fr-FR" sz="2000" dirty="0" err="1" smtClean="0"/>
-              <a:t>less,more</a:t>
-            </a:r>
-            <a:r>
-              <a:rPr lang="fr-FR" sz="2000" dirty="0" smtClean="0"/>
-              <a:t>))</a:t>
-            </a:r>
-            <a:endParaRPr lang="fr-FR" sz="2000" dirty="0"/>
-          </a:p>
-        </p:txBody>
-      </p:sp>
-      <p:cxnSp>
-        <p:nvCxnSpPr>
-          <p:cNvPr id="19" name="Connecteur droit avec flèche 18"/>
-          <p:cNvCxnSpPr>
-            <a:stCxn id="16" idx="2"/>
-            <a:endCxn id="18" idx="0"/>
-          </p:cNvCxnSpPr>
-          <p:nvPr/>
-        </p:nvCxnSpPr>
-        <p:spPr>
-          <a:xfrm>
-            <a:off x="4483830" y="1956901"/>
-            <a:ext cx="0" cy="1904147"/>
-          </a:xfrm>
-          <a:prstGeom prst="straightConnector1">
-            <a:avLst/>
-          </a:prstGeom>
-          <a:ln>
-            <a:tailEnd type="arrow"/>
-          </a:ln>
-        </p:spPr>
-        <p:style>
-          <a:lnRef idx="1">
-            <a:schemeClr val="dk1"/>
-          </a:lnRef>
-          <a:fillRef idx="0">
-            <a:schemeClr val="dk1"/>
-          </a:fillRef>
-          <a:effectRef idx="0">
-            <a:schemeClr val="dk1"/>
-          </a:effectRef>
-          <a:fontRef idx="minor">
-            <a:schemeClr val="tx1"/>
-          </a:fontRef>
-        </p:style>
-      </p:cxnSp>
-    </p:spTree>
-    <p:extLst>
-      <p:ext uri="{BB962C8B-B14F-4D97-AF65-F5344CB8AC3E}">
-        <p14:creationId xmlns:p14="http://schemas.microsoft.com/office/powerpoint/2010/main" val="1652649348"/>
-      </p:ext>
-    </p:extLst>
-  </p:cSld>
-  <p:clrMapOvr>
-    <a:masterClrMapping/>
-  </p:clrMapOvr>
-</p:sld>
-</file>
-
-<file path=ppt/slides/slide2.xml><?xml version="1.0" encoding="utf-8"?>
-<p:sld xmlns:a="http://schemas.openxmlformats.org/drawingml/2006/main" xmlns:r="http://schemas.openxmlformats.org/officeDocument/2006/relationships" xmlns:p="http://schemas.openxmlformats.org/presentationml/2006/main">
-  <p:cSld>
-    <p:spTree>
-      <p:nvGrpSpPr>
-        <p:cNvPr id="1" name=""/>
-        <p:cNvGrpSpPr/>
-        <p:nvPr/>
-      </p:nvGrpSpPr>
-      <p:grpSpPr>
-        <a:xfrm>
-          <a:off x="0" y="0"/>
-          <a:ext cx="0" cy="0"/>
-          <a:chOff x="0" y="0"/>
-          <a:chExt cx="0" cy="0"/>
-        </a:xfrm>
-      </p:grpSpPr>
-      <p:sp>
-        <p:nvSpPr>
-          <p:cNvPr id="4" name="ZoneTexte 3"/>
+          <p:cNvPr id="29" name="ZoneTexte 28"/>
           <p:cNvSpPr txBox="1"/>
           <p:nvPr/>
         </p:nvSpPr>
@@ -3320,13 +3145,13 @@
       </p:sp>
       <p:sp>
         <p:nvSpPr>
-          <p:cNvPr id="5" name="ZoneTexte 4"/>
+          <p:cNvPr id="30" name="ZoneTexte 29"/>
           <p:cNvSpPr txBox="1"/>
           <p:nvPr/>
         </p:nvSpPr>
         <p:spPr>
           <a:xfrm>
-            <a:off x="457206" y="2553388"/>
+            <a:off x="1178928" y="2972561"/>
             <a:ext cx="2088232" cy="646331"/>
           </a:xfrm>
           <a:prstGeom prst="rect">
@@ -3376,10 +3201,10 @@
       </p:sp>
       <p:cxnSp>
         <p:nvCxnSpPr>
-          <p:cNvPr id="13" name="Connecteur droit avec flèche 12"/>
+          <p:cNvPr id="31" name="Connecteur droit avec flèche 30"/>
           <p:cNvCxnSpPr>
-            <a:stCxn id="4" idx="2"/>
-            <a:endCxn id="6" idx="0"/>
+            <a:stCxn id="29" idx="2"/>
+            <a:endCxn id="32" idx="0"/>
           </p:cNvCxnSpPr>
           <p:nvPr/>
         </p:nvCxnSpPr>
@@ -3412,7 +3237,7 @@
       </p:cxnSp>
       <p:sp>
         <p:nvSpPr>
-          <p:cNvPr id="6" name="Rectangle à coins arrondis 5"/>
+          <p:cNvPr id="32" name="Rectangle à coins arrondis 31"/>
           <p:cNvSpPr/>
           <p:nvPr/>
         </p:nvSpPr>
@@ -3471,13 +3296,13 @@
       </p:sp>
       <p:grpSp>
         <p:nvGrpSpPr>
-          <p:cNvPr id="31" name="Groupe 30"/>
+          <p:cNvPr id="33" name="Groupe 32"/>
           <p:cNvGrpSpPr/>
           <p:nvPr/>
         </p:nvGrpSpPr>
         <p:grpSpPr>
           <a:xfrm>
-            <a:off x="6228184" y="4823797"/>
+            <a:off x="6444208" y="4823797"/>
             <a:ext cx="2088232" cy="1557531"/>
             <a:chOff x="2567571" y="2661816"/>
             <a:chExt cx="2088232" cy="1557531"/>
@@ -3485,7 +3310,7 @@
         </p:grpSpPr>
         <p:sp>
           <p:nvSpPr>
-            <p:cNvPr id="23" name="ZoneTexte 22"/>
+            <p:cNvPr id="34" name="ZoneTexte 33"/>
             <p:cNvSpPr txBox="1"/>
             <p:nvPr/>
           </p:nvSpPr>
@@ -3537,7 +3362,7 @@
         </p:sp>
         <p:sp>
           <p:nvSpPr>
-            <p:cNvPr id="21" name="Rectangle à coins arrondis 20"/>
+            <p:cNvPr id="35" name="Rectangle à coins arrondis 34"/>
             <p:cNvSpPr/>
             <p:nvPr/>
           </p:nvSpPr>
@@ -3607,10 +3432,10 @@
         </p:sp>
         <p:cxnSp>
           <p:nvCxnSpPr>
-            <p:cNvPr id="20" name="Connecteur droit avec flèche 19"/>
+            <p:cNvPr id="36" name="Connecteur droit avec flèche 35"/>
             <p:cNvCxnSpPr>
-              <a:stCxn id="21" idx="2"/>
-              <a:endCxn id="23" idx="0"/>
+              <a:stCxn id="35" idx="2"/>
+              <a:endCxn id="34" idx="0"/>
             </p:cNvCxnSpPr>
             <p:nvPr/>
           </p:nvCxnSpPr>
@@ -3647,13 +3472,13 @@
       </p:grpSp>
       <p:grpSp>
         <p:nvGrpSpPr>
-          <p:cNvPr id="30" name="Groupe 29"/>
+          <p:cNvPr id="37" name="Groupe 36"/>
           <p:cNvGrpSpPr/>
           <p:nvPr/>
         </p:nvGrpSpPr>
         <p:grpSpPr>
           <a:xfrm>
-            <a:off x="3851920" y="4797152"/>
+            <a:off x="4139952" y="4797152"/>
             <a:ext cx="2016224" cy="1584176"/>
             <a:chOff x="6804248" y="3789040"/>
             <a:chExt cx="2016224" cy="1584176"/>
@@ -3661,7 +3486,7 @@
         </p:grpSpPr>
         <p:sp>
           <p:nvSpPr>
-            <p:cNvPr id="12" name="ZoneTexte 11"/>
+            <p:cNvPr id="38" name="ZoneTexte 37"/>
             <p:cNvSpPr txBox="1"/>
             <p:nvPr/>
           </p:nvSpPr>
@@ -3713,7 +3538,7 @@
         </p:sp>
         <p:sp>
           <p:nvSpPr>
-            <p:cNvPr id="25" name="Rectangle à coins arrondis 24"/>
+            <p:cNvPr id="39" name="Rectangle à coins arrondis 38"/>
             <p:cNvSpPr/>
             <p:nvPr/>
           </p:nvSpPr>
@@ -3788,10 +3613,10 @@
         </p:sp>
         <p:cxnSp>
           <p:nvCxnSpPr>
-            <p:cNvPr id="26" name="Connecteur droit avec flèche 25"/>
+            <p:cNvPr id="40" name="Connecteur droit avec flèche 39"/>
             <p:cNvCxnSpPr>
-              <a:stCxn id="25" idx="2"/>
-              <a:endCxn id="12" idx="0"/>
+              <a:stCxn id="39" idx="2"/>
+              <a:endCxn id="38" idx="0"/>
             </p:cNvCxnSpPr>
             <p:nvPr/>
           </p:nvCxnSpPr>
@@ -3828,13 +3653,13 @@
       </p:grpSp>
       <p:grpSp>
         <p:nvGrpSpPr>
-          <p:cNvPr id="32" name="Groupe 31"/>
+          <p:cNvPr id="41" name="Groupe 40"/>
           <p:cNvGrpSpPr/>
           <p:nvPr/>
         </p:nvGrpSpPr>
         <p:grpSpPr>
           <a:xfrm>
-            <a:off x="1115616" y="4585191"/>
+            <a:off x="1529658" y="4585191"/>
             <a:ext cx="2682302" cy="1796137"/>
             <a:chOff x="4644273" y="3273016"/>
             <a:chExt cx="2682302" cy="1796137"/>
@@ -3842,7 +3667,7 @@
         </p:grpSpPr>
         <p:sp>
           <p:nvSpPr>
-            <p:cNvPr id="8" name="ZoneTexte 7"/>
+            <p:cNvPr id="42" name="ZoneTexte 41"/>
             <p:cNvSpPr txBox="1"/>
             <p:nvPr/>
           </p:nvSpPr>
@@ -3893,7 +3718,7 @@
         </p:sp>
         <p:sp>
           <p:nvSpPr>
-            <p:cNvPr id="27" name="Rectangle à coins arrondis 26"/>
+            <p:cNvPr id="43" name="Rectangle à coins arrondis 42"/>
             <p:cNvSpPr/>
             <p:nvPr/>
           </p:nvSpPr>
@@ -4005,10 +3830,10 @@
         </p:sp>
         <p:cxnSp>
           <p:nvCxnSpPr>
-            <p:cNvPr id="28" name="Connecteur droit avec flèche 27"/>
+            <p:cNvPr id="44" name="Connecteur droit avec flèche 43"/>
             <p:cNvCxnSpPr>
-              <a:stCxn id="27" idx="2"/>
-              <a:endCxn id="8" idx="0"/>
+              <a:stCxn id="43" idx="2"/>
+              <a:endCxn id="42" idx="0"/>
             </p:cNvCxnSpPr>
             <p:nvPr/>
           </p:nvCxnSpPr>
@@ -4045,17 +3870,17 @@
       </p:grpSp>
       <p:cxnSp>
         <p:nvCxnSpPr>
-          <p:cNvPr id="46" name="Connecteur en angle 45"/>
+          <p:cNvPr id="45" name="Connecteur en angle 44"/>
           <p:cNvCxnSpPr>
-            <a:stCxn id="6" idx="2"/>
-            <a:endCxn id="5" idx="0"/>
+            <a:stCxn id="32" idx="2"/>
+            <a:endCxn id="30" idx="0"/>
           </p:cNvCxnSpPr>
           <p:nvPr/>
         </p:nvCxnSpPr>
         <p:spPr>
           <a:xfrm rot="5400000">
-            <a:off x="2418247" y="567859"/>
-            <a:ext cx="1068604" cy="2902454"/>
+            <a:off x="2569522" y="1138306"/>
+            <a:ext cx="1487777" cy="2180732"/>
           </a:xfrm>
           <a:prstGeom prst="bentConnector3">
             <a:avLst/>
@@ -4084,17 +3909,17 @@
       </p:cxnSp>
       <p:cxnSp>
         <p:nvCxnSpPr>
-          <p:cNvPr id="47" name="Connecteur en angle 46"/>
+          <p:cNvPr id="46" name="Connecteur en angle 45"/>
           <p:cNvCxnSpPr>
-            <a:stCxn id="6" idx="2"/>
+            <a:stCxn id="32" idx="2"/>
             <a:endCxn id="50" idx="0"/>
           </p:cNvCxnSpPr>
           <p:nvPr/>
         </p:nvCxnSpPr>
         <p:spPr>
           <a:xfrm rot="16200000" flipH="1">
-            <a:off x="5052588" y="835972"/>
-            <a:ext cx="1054089" cy="2351712"/>
+            <a:off x="4569143" y="1319417"/>
+            <a:ext cx="1487777" cy="1818510"/>
           </a:xfrm>
           <a:prstGeom prst="bentConnector3">
             <a:avLst>
@@ -4125,69 +3950,13 @@
       </p:cxnSp>
       <p:sp>
         <p:nvSpPr>
-          <p:cNvPr id="50" name="ZoneTexte 49"/>
-          <p:cNvSpPr txBox="1"/>
+          <p:cNvPr id="48" name="Losange 47"/>
+          <p:cNvSpPr/>
           <p:nvPr/>
         </p:nvSpPr>
         <p:spPr>
           <a:xfrm>
-            <a:off x="5711372" y="2538873"/>
-            <a:ext cx="2088232" cy="646331"/>
-          </a:xfrm>
-          <a:prstGeom prst="rect">
-            <a:avLst/>
-          </a:prstGeom>
-          <a:noFill/>
-          <a:ln>
-            <a:solidFill>
-              <a:schemeClr val="tx1"/>
-            </a:solidFill>
-          </a:ln>
-        </p:spPr>
-        <p:txBody>
-          <a:bodyPr wrap="square" rtlCol="0">
-            <a:spAutoFit/>
-          </a:bodyPr>
-          <a:lstStyle/>
-          <a:p>
-            <a:pPr algn="ctr"/>
-            <a:r>
-              <a:rPr lang="fr-FR" dirty="0" err="1" smtClean="0"/>
-              <a:t>State.Preference</a:t>
-            </a:r>
-            <a:r>
-              <a:rPr lang="fr-FR" dirty="0" smtClean="0"/>
-              <a:t> </a:t>
-            </a:r>
-            <a:endParaRPr lang="fr-FR" dirty="0"/>
-          </a:p>
-          <a:p>
-            <a:pPr algn="ctr"/>
-            <a:r>
-              <a:rPr lang="fr-FR" dirty="0" smtClean="0"/>
-              <a:t>(C, </a:t>
-            </a:r>
-            <a:r>
-              <a:rPr lang="fr-FR" dirty="0" err="1" smtClean="0"/>
-              <a:t>less</a:t>
-            </a:r>
-            <a:r>
-              <a:rPr lang="fr-FR" dirty="0" smtClean="0"/>
-              <a:t>, more)</a:t>
-            </a:r>
-            <a:endParaRPr lang="fr-FR" dirty="0"/>
-          </a:p>
-        </p:txBody>
-      </p:sp>
-      <p:sp>
-        <p:nvSpPr>
-          <p:cNvPr id="53" name="Losange 52"/>
-          <p:cNvSpPr/>
-          <p:nvPr/>
-        </p:nvSpPr>
-        <p:spPr>
-          <a:xfrm>
-            <a:off x="2399898" y="1646751"/>
+            <a:off x="2728805" y="1904635"/>
             <a:ext cx="1019974" cy="648072"/>
           </a:xfrm>
           <a:prstGeom prst="diamond">
@@ -4241,13 +4010,13 @@
       </p:sp>
       <p:sp>
         <p:nvSpPr>
-          <p:cNvPr id="54" name="Losange 53"/>
+          <p:cNvPr id="49" name="Losange 48"/>
           <p:cNvSpPr/>
           <p:nvPr/>
         </p:nvSpPr>
         <p:spPr>
           <a:xfrm>
-            <a:off x="4736927" y="1628800"/>
+            <a:off x="4614317" y="1904636"/>
             <a:ext cx="1019974" cy="648072"/>
           </a:xfrm>
           <a:prstGeom prst="diamond">
@@ -4301,13 +4070,13 @@
       </p:sp>
       <p:sp>
         <p:nvSpPr>
-          <p:cNvPr id="56" name="Rectangle à coins arrondis 55"/>
+          <p:cNvPr id="50" name="Rectangle à coins arrondis 49"/>
           <p:cNvSpPr/>
           <p:nvPr/>
         </p:nvSpPr>
         <p:spPr>
           <a:xfrm>
-            <a:off x="4270031" y="3644460"/>
+            <a:off x="5064260" y="2972561"/>
             <a:ext cx="2316052" cy="432048"/>
           </a:xfrm>
           <a:prstGeom prst="roundRect">
@@ -4368,17 +4137,17 @@
       </p:sp>
       <p:cxnSp>
         <p:nvCxnSpPr>
-          <p:cNvPr id="57" name="Connecteur droit avec flèche 56"/>
+          <p:cNvPr id="51" name="Connecteur droit avec flèche 50"/>
           <p:cNvCxnSpPr>
-            <a:stCxn id="56" idx="2"/>
-            <a:endCxn id="21" idx="0"/>
+            <a:stCxn id="50" idx="2"/>
+            <a:endCxn id="35" idx="0"/>
           </p:cNvCxnSpPr>
           <p:nvPr/>
         </p:nvCxnSpPr>
         <p:spPr>
           <a:xfrm>
-            <a:off x="5428057" y="4076508"/>
-            <a:ext cx="1844243" cy="747289"/>
+            <a:off x="6222286" y="3404609"/>
+            <a:ext cx="1266038" cy="1419188"/>
           </a:xfrm>
           <a:prstGeom prst="straightConnector1">
             <a:avLst/>
@@ -4404,17 +4173,17 @@
       </p:cxnSp>
       <p:cxnSp>
         <p:nvCxnSpPr>
-          <p:cNvPr id="60" name="Connecteur droit avec flèche 59"/>
+          <p:cNvPr id="52" name="Connecteur droit avec flèche 51"/>
           <p:cNvCxnSpPr>
-            <a:stCxn id="56" idx="2"/>
-            <a:endCxn id="25" idx="0"/>
+            <a:stCxn id="50" idx="2"/>
+            <a:endCxn id="39" idx="0"/>
           </p:cNvCxnSpPr>
           <p:nvPr/>
         </p:nvCxnSpPr>
         <p:spPr>
           <a:xfrm flipH="1">
-            <a:off x="4860032" y="4076508"/>
-            <a:ext cx="568025" cy="720644"/>
+            <a:off x="5148064" y="3404609"/>
+            <a:ext cx="1074222" cy="1392543"/>
           </a:xfrm>
           <a:prstGeom prst="straightConnector1">
             <a:avLst/>
@@ -4440,502 +4209,17 @@
       </p:cxnSp>
       <p:cxnSp>
         <p:nvCxnSpPr>
-          <p:cNvPr id="63" name="Connecteur droit avec flèche 62"/>
+          <p:cNvPr id="53" name="Connecteur droit avec flèche 52"/>
           <p:cNvCxnSpPr>
-            <a:stCxn id="56" idx="2"/>
-            <a:endCxn id="27" idx="0"/>
+            <a:stCxn id="50" idx="2"/>
+            <a:endCxn id="43" idx="0"/>
           </p:cNvCxnSpPr>
           <p:nvPr/>
         </p:nvCxnSpPr>
         <p:spPr>
           <a:xfrm flipH="1">
-            <a:off x="2456767" y="4076508"/>
-            <a:ext cx="2971290" cy="508683"/>
-          </a:xfrm>
-          <a:prstGeom prst="straightConnector1">
-            <a:avLst/>
-          </a:prstGeom>
-          <a:ln>
-            <a:tailEnd type="arrow"/>
-          </a:ln>
-        </p:spPr>
-        <p:style>
-          <a:lnRef idx="1">
-            <a:schemeClr val="dk1"/>
-          </a:lnRef>
-          <a:fillRef idx="0">
-            <a:schemeClr val="dk1"/>
-          </a:fillRef>
-          <a:effectRef idx="0">
-            <a:schemeClr val="dk1"/>
-          </a:effectRef>
-          <a:fontRef idx="minor">
-            <a:schemeClr val="tx1"/>
-          </a:fontRef>
-        </p:style>
-      </p:cxnSp>
-      <p:cxnSp>
-        <p:nvCxnSpPr>
-          <p:cNvPr id="69" name="Connecteur en angle 68"/>
-          <p:cNvCxnSpPr>
-            <a:stCxn id="50" idx="2"/>
-            <a:endCxn id="56" idx="3"/>
-          </p:cNvCxnSpPr>
-          <p:nvPr/>
-        </p:nvCxnSpPr>
-        <p:spPr>
-          <a:xfrm rot="5400000">
-            <a:off x="6333146" y="3438142"/>
-            <a:ext cx="675280" cy="169405"/>
-          </a:xfrm>
-          <a:prstGeom prst="bentConnector2">
-            <a:avLst/>
-          </a:prstGeom>
-          <a:ln>
-            <a:solidFill>
-              <a:schemeClr val="tx1"/>
-            </a:solidFill>
-            <a:tailEnd type="arrow"/>
-          </a:ln>
-        </p:spPr>
-        <p:style>
-          <a:lnRef idx="1">
-            <a:schemeClr val="accent1"/>
-          </a:lnRef>
-          <a:fillRef idx="0">
-            <a:schemeClr val="accent1"/>
-          </a:fillRef>
-          <a:effectRef idx="0">
-            <a:schemeClr val="accent1"/>
-          </a:effectRef>
-          <a:fontRef idx="minor">
-            <a:schemeClr val="tx1"/>
-          </a:fontRef>
-        </p:style>
-      </p:cxnSp>
-    </p:spTree>
-    <p:extLst>
-      <p:ext uri="{BB962C8B-B14F-4D97-AF65-F5344CB8AC3E}">
-        <p14:creationId xmlns:p14="http://schemas.microsoft.com/office/powerpoint/2010/main" val="1195535223"/>
-      </p:ext>
-    </p:extLst>
-  </p:cSld>
-  <p:clrMapOvr>
-    <a:masterClrMapping/>
-  </p:clrMapOvr>
-</p:sld>
-</file>
-
-<file path=ppt/slides/slide3.xml><?xml version="1.0" encoding="utf-8"?>
-<p:sld xmlns:a="http://schemas.openxmlformats.org/drawingml/2006/main" xmlns:r="http://schemas.openxmlformats.org/officeDocument/2006/relationships" xmlns:p="http://schemas.openxmlformats.org/presentationml/2006/main">
-  <p:cSld>
-    <p:spTree>
-      <p:nvGrpSpPr>
-        <p:cNvPr id="1" name=""/>
-        <p:cNvGrpSpPr/>
-        <p:nvPr/>
-      </p:nvGrpSpPr>
-      <p:grpSpPr>
-        <a:xfrm>
-          <a:off x="0" y="0"/>
-          <a:ext cx="0" cy="0"/>
-          <a:chOff x="0" y="0"/>
-          <a:chExt cx="0" cy="0"/>
-        </a:xfrm>
-      </p:grpSpPr>
-      <p:sp>
-        <p:nvSpPr>
-          <p:cNvPr id="2" name="Titre 1"/>
-          <p:cNvSpPr>
-            <a:spLocks noGrp="1"/>
-          </p:cNvSpPr>
-          <p:nvPr>
-            <p:ph type="title"/>
-          </p:nvPr>
-        </p:nvSpPr>
-        <p:spPr/>
-        <p:txBody>
-          <a:bodyPr/>
-          <a:lstStyle/>
-          <a:p>
-            <a:endParaRPr lang="fr-FR"/>
-          </a:p>
-        </p:txBody>
-      </p:sp>
-      <p:sp>
-        <p:nvSpPr>
-          <p:cNvPr id="3" name="Espace réservé du contenu 2"/>
-          <p:cNvSpPr>
-            <a:spLocks noGrp="1"/>
-          </p:cNvSpPr>
-          <p:nvPr>
-            <p:ph idx="1"/>
-          </p:nvPr>
-        </p:nvSpPr>
-        <p:spPr/>
-        <p:txBody>
-          <a:bodyPr/>
-          <a:lstStyle/>
-          <a:p>
-            <a:endParaRPr lang="fr-FR"/>
-          </a:p>
-        </p:txBody>
-      </p:sp>
-    </p:spTree>
-    <p:extLst>
-      <p:ext uri="{BB962C8B-B14F-4D97-AF65-F5344CB8AC3E}">
-        <p14:creationId xmlns:p14="http://schemas.microsoft.com/office/powerpoint/2010/main" val="1826048437"/>
-      </p:ext>
-    </p:extLst>
-  </p:cSld>
-  <p:clrMapOvr>
-    <a:masterClrMapping/>
-  </p:clrMapOvr>
-</p:sld>
-</file>
-
-<file path=ppt/slides/slide4.xml><?xml version="1.0" encoding="utf-8"?>
-<p:sld xmlns:a="http://schemas.openxmlformats.org/drawingml/2006/main" xmlns:r="http://schemas.openxmlformats.org/officeDocument/2006/relationships" xmlns:p="http://schemas.openxmlformats.org/presentationml/2006/main">
-  <p:cSld>
-    <p:spTree>
-      <p:nvGrpSpPr>
-        <p:cNvPr id="1" name=""/>
-        <p:cNvGrpSpPr/>
-        <p:nvPr/>
-      </p:nvGrpSpPr>
-      <p:grpSpPr>
-        <a:xfrm>
-          <a:off x="0" y="0"/>
-          <a:ext cx="0" cy="0"/>
-          <a:chOff x="0" y="0"/>
-          <a:chExt cx="0" cy="0"/>
-        </a:xfrm>
-      </p:grpSpPr>
-      <p:sp>
-        <p:nvSpPr>
-          <p:cNvPr id="4" name="ZoneTexte 3"/>
-          <p:cNvSpPr txBox="1"/>
-          <p:nvPr/>
-        </p:nvSpPr>
-        <p:spPr>
-          <a:xfrm>
-            <a:off x="3529007" y="692696"/>
-            <a:ext cx="2088232" cy="400110"/>
-          </a:xfrm>
-          <a:prstGeom prst="rect">
-            <a:avLst/>
-          </a:prstGeom>
-          <a:noFill/>
-          <a:ln>
-            <a:solidFill>
-              <a:schemeClr val="tx1"/>
-            </a:solidFill>
-          </a:ln>
-        </p:spPr>
-        <p:txBody>
-          <a:bodyPr wrap="square" rtlCol="0">
-            <a:spAutoFit/>
-          </a:bodyPr>
-          <a:lstStyle/>
-          <a:p>
-            <a:pPr algn="ctr"/>
-            <a:r>
-              <a:rPr lang="fr-FR" sz="2000" b="1" dirty="0" smtClean="0"/>
-              <a:t>Propose (value)</a:t>
-            </a:r>
-            <a:endParaRPr lang="fr-FR" sz="2000" b="1" dirty="0"/>
-          </a:p>
-        </p:txBody>
-      </p:sp>
-      <p:sp>
-        <p:nvSpPr>
-          <p:cNvPr id="5" name="ZoneTexte 4"/>
-          <p:cNvSpPr txBox="1"/>
-          <p:nvPr/>
-        </p:nvSpPr>
-        <p:spPr>
-          <a:xfrm>
-            <a:off x="395536" y="2922791"/>
-            <a:ext cx="2160240" cy="646331"/>
-          </a:xfrm>
-          <a:prstGeom prst="rect">
-            <a:avLst/>
-          </a:prstGeom>
-          <a:noFill/>
-          <a:ln>
-            <a:solidFill>
-              <a:schemeClr val="tx1"/>
-            </a:solidFill>
-          </a:ln>
-        </p:spPr>
-        <p:txBody>
-          <a:bodyPr wrap="square" rtlCol="0">
-            <a:spAutoFit/>
-          </a:bodyPr>
-          <a:lstStyle/>
-          <a:p>
-            <a:pPr algn="ctr"/>
-            <a:r>
-              <a:rPr lang="fr-FR" dirty="0" err="1" smtClean="0"/>
-              <a:t>State.Preference</a:t>
-            </a:r>
-            <a:endParaRPr lang="fr-FR" dirty="0" smtClean="0"/>
-          </a:p>
-          <a:p>
-            <a:pPr algn="ctr"/>
-            <a:r>
-              <a:rPr lang="fr-FR" dirty="0" smtClean="0"/>
-              <a:t>(C, value, *)</a:t>
-            </a:r>
-            <a:endParaRPr lang="fr-FR" dirty="0"/>
-          </a:p>
-        </p:txBody>
-      </p:sp>
-      <p:cxnSp>
-        <p:nvCxnSpPr>
-          <p:cNvPr id="7" name="Connecteur droit avec flèche 6"/>
-          <p:cNvCxnSpPr>
-            <a:stCxn id="4" idx="2"/>
-            <a:endCxn id="5" idx="0"/>
-          </p:cNvCxnSpPr>
-          <p:nvPr/>
-        </p:nvCxnSpPr>
-        <p:spPr>
-          <a:xfrm flipH="1">
-            <a:off x="1475656" y="1092806"/>
-            <a:ext cx="3097467" cy="1829985"/>
-          </a:xfrm>
-          <a:prstGeom prst="straightConnector1">
-            <a:avLst/>
-          </a:prstGeom>
-          <a:ln>
-            <a:tailEnd type="arrow"/>
-          </a:ln>
-        </p:spPr>
-        <p:style>
-          <a:lnRef idx="1">
-            <a:schemeClr val="dk1"/>
-          </a:lnRef>
-          <a:fillRef idx="0">
-            <a:schemeClr val="dk1"/>
-          </a:fillRef>
-          <a:effectRef idx="0">
-            <a:schemeClr val="dk1"/>
-          </a:effectRef>
-          <a:fontRef idx="minor">
-            <a:schemeClr val="tx1"/>
-          </a:fontRef>
-        </p:style>
-      </p:cxnSp>
-      <p:sp>
-        <p:nvSpPr>
-          <p:cNvPr id="8" name="ZoneTexte 7"/>
-          <p:cNvSpPr txBox="1"/>
-          <p:nvPr/>
-        </p:nvSpPr>
-        <p:spPr>
-          <a:xfrm>
-            <a:off x="4808310" y="3061291"/>
-            <a:ext cx="1995938" cy="369332"/>
-          </a:xfrm>
-          <a:prstGeom prst="rect">
-            <a:avLst/>
-          </a:prstGeom>
-          <a:noFill/>
-          <a:ln>
-            <a:solidFill>
-              <a:schemeClr val="tx1"/>
-            </a:solidFill>
-          </a:ln>
-        </p:spPr>
-        <p:txBody>
-          <a:bodyPr wrap="square" rtlCol="0">
-            <a:spAutoFit/>
-          </a:bodyPr>
-          <a:lstStyle/>
-          <a:p>
-            <a:pPr algn="ctr"/>
-            <a:r>
-              <a:rPr lang="fr-FR" dirty="0" smtClean="0"/>
-              <a:t>Propose (value2)</a:t>
-            </a:r>
-            <a:endParaRPr lang="fr-FR" dirty="0"/>
-          </a:p>
-        </p:txBody>
-      </p:sp>
-      <p:cxnSp>
-        <p:nvCxnSpPr>
-          <p:cNvPr id="9" name="Connecteur droit avec flèche 8"/>
-          <p:cNvCxnSpPr>
-            <a:stCxn id="4" idx="2"/>
-            <a:endCxn id="8" idx="0"/>
-          </p:cNvCxnSpPr>
-          <p:nvPr/>
-        </p:nvCxnSpPr>
-        <p:spPr>
-          <a:xfrm>
-            <a:off x="4573123" y="1092806"/>
-            <a:ext cx="1233156" cy="1968485"/>
-          </a:xfrm>
-          <a:prstGeom prst="straightConnector1">
-            <a:avLst/>
-          </a:prstGeom>
-          <a:ln>
-            <a:tailEnd type="arrow"/>
-          </a:ln>
-        </p:spPr>
-        <p:style>
-          <a:lnRef idx="1">
-            <a:schemeClr val="dk1"/>
-          </a:lnRef>
-          <a:fillRef idx="0">
-            <a:schemeClr val="dk1"/>
-          </a:fillRef>
-          <a:effectRef idx="0">
-            <a:schemeClr val="dk1"/>
-          </a:effectRef>
-          <a:fontRef idx="minor">
-            <a:schemeClr val="tx1"/>
-          </a:fontRef>
-        </p:style>
-      </p:cxnSp>
-      <p:sp>
-        <p:nvSpPr>
-          <p:cNvPr id="20" name="ZoneTexte 19"/>
-          <p:cNvSpPr txBox="1"/>
-          <p:nvPr/>
-        </p:nvSpPr>
-        <p:spPr>
-          <a:xfrm>
-            <a:off x="2794975" y="3061291"/>
-            <a:ext cx="1777025" cy="369332"/>
-          </a:xfrm>
-          <a:prstGeom prst="rect">
-            <a:avLst/>
-          </a:prstGeom>
-          <a:noFill/>
-          <a:ln>
-            <a:solidFill>
-              <a:schemeClr val="tx1"/>
-            </a:solidFill>
-          </a:ln>
-        </p:spPr>
-        <p:txBody>
-          <a:bodyPr wrap="square" rtlCol="0">
-            <a:spAutoFit/>
-          </a:bodyPr>
-          <a:lstStyle/>
-          <a:p>
-            <a:pPr algn="ctr"/>
-            <a:r>
-              <a:rPr lang="fr-FR" dirty="0" err="1" smtClean="0"/>
-              <a:t>Reject</a:t>
-            </a:r>
-            <a:r>
-              <a:rPr lang="fr-FR" dirty="0" smtClean="0"/>
-              <a:t> (value)</a:t>
-            </a:r>
-            <a:endParaRPr lang="fr-FR" dirty="0"/>
-          </a:p>
-        </p:txBody>
-      </p:sp>
-      <p:cxnSp>
-        <p:nvCxnSpPr>
-          <p:cNvPr id="21" name="Connecteur droit avec flèche 20"/>
-          <p:cNvCxnSpPr>
-            <a:stCxn id="4" idx="2"/>
-            <a:endCxn id="20" idx="0"/>
-          </p:cNvCxnSpPr>
-          <p:nvPr/>
-        </p:nvCxnSpPr>
-        <p:spPr>
-          <a:xfrm flipH="1">
-            <a:off x="3683488" y="1092806"/>
-            <a:ext cx="889635" cy="1968485"/>
-          </a:xfrm>
-          <a:prstGeom prst="straightConnector1">
-            <a:avLst/>
-          </a:prstGeom>
-          <a:ln>
-            <a:tailEnd type="arrow"/>
-          </a:ln>
-        </p:spPr>
-        <p:style>
-          <a:lnRef idx="1">
-            <a:schemeClr val="dk1"/>
-          </a:lnRef>
-          <a:fillRef idx="0">
-            <a:schemeClr val="dk1"/>
-          </a:fillRef>
-          <a:effectRef idx="0">
-            <a:schemeClr val="dk1"/>
-          </a:effectRef>
-          <a:fontRef idx="minor">
-            <a:schemeClr val="tx1"/>
-          </a:fontRef>
-        </p:style>
-      </p:cxnSp>
-      <p:sp>
-        <p:nvSpPr>
-          <p:cNvPr id="22" name="ZoneTexte 21"/>
-          <p:cNvSpPr txBox="1"/>
-          <p:nvPr/>
-        </p:nvSpPr>
-        <p:spPr>
-          <a:xfrm>
-            <a:off x="7074679" y="3061291"/>
-            <a:ext cx="1745793" cy="369332"/>
-          </a:xfrm>
-          <a:prstGeom prst="rect">
-            <a:avLst/>
-          </a:prstGeom>
-          <a:noFill/>
-          <a:ln>
-            <a:solidFill>
-              <a:schemeClr val="tx1"/>
-            </a:solidFill>
-          </a:ln>
-        </p:spPr>
-        <p:txBody>
-          <a:bodyPr wrap="square" rtlCol="0">
-            <a:spAutoFit/>
-          </a:bodyPr>
-          <a:lstStyle/>
-          <a:p>
-            <a:pPr algn="ctr"/>
-            <a:r>
-              <a:rPr lang="fr-FR" dirty="0" err="1" smtClean="0"/>
-              <a:t>Accept</a:t>
-            </a:r>
-            <a:r>
-              <a:rPr lang="fr-FR" dirty="0" smtClean="0"/>
-              <a:t> </a:t>
-            </a:r>
-            <a:r>
-              <a:rPr lang="fr-FR" dirty="0"/>
-              <a:t> </a:t>
-            </a:r>
-            <a:r>
-              <a:rPr lang="fr-FR" dirty="0" smtClean="0"/>
-              <a:t>(value)</a:t>
-            </a:r>
-            <a:endParaRPr lang="fr-FR" dirty="0"/>
-          </a:p>
-        </p:txBody>
-      </p:sp>
-      <p:cxnSp>
-        <p:nvCxnSpPr>
-          <p:cNvPr id="25" name="Connecteur droit avec flèche 24"/>
-          <p:cNvCxnSpPr>
-            <a:stCxn id="4" idx="2"/>
-            <a:endCxn id="22" idx="0"/>
-          </p:cNvCxnSpPr>
-          <p:nvPr/>
-        </p:nvCxnSpPr>
-        <p:spPr>
-          <a:xfrm>
-            <a:off x="4573123" y="1092806"/>
-            <a:ext cx="3374453" cy="1968485"/>
+            <a:off x="2870809" y="3404609"/>
+            <a:ext cx="3351477" cy="1180582"/>
           </a:xfrm>
           <a:prstGeom prst="straightConnector1">
             <a:avLst/>
@@ -4962,720 +4246,7 @@
     </p:spTree>
     <p:extLst>
       <p:ext uri="{BB962C8B-B14F-4D97-AF65-F5344CB8AC3E}">
-        <p14:creationId xmlns:p14="http://schemas.microsoft.com/office/powerpoint/2010/main" val="896055949"/>
-      </p:ext>
-    </p:extLst>
-  </p:cSld>
-  <p:clrMapOvr>
-    <a:masterClrMapping/>
-  </p:clrMapOvr>
-</p:sld>
-</file>
-
-<file path=ppt/slides/slide5.xml><?xml version="1.0" encoding="utf-8"?>
-<p:sld xmlns:a="http://schemas.openxmlformats.org/drawingml/2006/main" xmlns:r="http://schemas.openxmlformats.org/officeDocument/2006/relationships" xmlns:p="http://schemas.openxmlformats.org/presentationml/2006/main">
-  <p:cSld>
-    <p:spTree>
-      <p:nvGrpSpPr>
-        <p:cNvPr id="1" name=""/>
-        <p:cNvGrpSpPr/>
-        <p:nvPr/>
-      </p:nvGrpSpPr>
-      <p:grpSpPr>
-        <a:xfrm>
-          <a:off x="0" y="0"/>
-          <a:ext cx="0" cy="0"/>
-          <a:chOff x="0" y="0"/>
-          <a:chExt cx="0" cy="0"/>
-        </a:xfrm>
-      </p:grpSpPr>
-      <p:sp>
-        <p:nvSpPr>
-          <p:cNvPr id="4" name="ZoneTexte 3"/>
-          <p:cNvSpPr txBox="1"/>
-          <p:nvPr/>
-        </p:nvSpPr>
-        <p:spPr>
-          <a:xfrm>
-            <a:off x="3275856" y="1844824"/>
-            <a:ext cx="1872208" cy="400110"/>
-          </a:xfrm>
-          <a:prstGeom prst="rect">
-            <a:avLst/>
-          </a:prstGeom>
-          <a:noFill/>
-          <a:ln>
-            <a:solidFill>
-              <a:schemeClr val="tx1"/>
-            </a:solidFill>
-          </a:ln>
-        </p:spPr>
-        <p:txBody>
-          <a:bodyPr wrap="square" rtlCol="0">
-            <a:spAutoFit/>
-          </a:bodyPr>
-          <a:lstStyle/>
-          <a:p>
-            <a:pPr algn="ctr"/>
-            <a:r>
-              <a:rPr lang="fr-FR" sz="2000" b="1" dirty="0" err="1" smtClean="0"/>
-              <a:t>Reject</a:t>
-            </a:r>
-            <a:r>
-              <a:rPr lang="fr-FR" sz="2000" b="1" dirty="0" smtClean="0"/>
-              <a:t>(value)</a:t>
-            </a:r>
-            <a:endParaRPr lang="fr-FR" dirty="0"/>
-          </a:p>
-        </p:txBody>
-      </p:sp>
-      <p:sp>
-        <p:nvSpPr>
-          <p:cNvPr id="5" name="ZoneTexte 4"/>
-          <p:cNvSpPr txBox="1"/>
-          <p:nvPr/>
-        </p:nvSpPr>
-        <p:spPr>
-          <a:xfrm>
-            <a:off x="179512" y="3717032"/>
-            <a:ext cx="1944216" cy="646331"/>
-          </a:xfrm>
-          <a:prstGeom prst="rect">
-            <a:avLst/>
-          </a:prstGeom>
-          <a:noFill/>
-          <a:ln>
-            <a:solidFill>
-              <a:schemeClr val="tx1"/>
-            </a:solidFill>
-          </a:ln>
-        </p:spPr>
-        <p:txBody>
-          <a:bodyPr wrap="square" rtlCol="0">
-            <a:spAutoFit/>
-          </a:bodyPr>
-          <a:lstStyle/>
-          <a:p>
-            <a:pPr algn="ctr"/>
-            <a:r>
-              <a:rPr lang="fr-FR" dirty="0" err="1" smtClean="0"/>
-              <a:t>State.Preference</a:t>
-            </a:r>
-            <a:r>
-              <a:rPr lang="fr-FR" dirty="0" smtClean="0"/>
-              <a:t> </a:t>
-            </a:r>
-          </a:p>
-          <a:p>
-            <a:pPr algn="ctr"/>
-            <a:r>
-              <a:rPr lang="fr-FR" dirty="0" smtClean="0"/>
-              <a:t>(C, </a:t>
-            </a:r>
-            <a:r>
-              <a:rPr lang="fr-FR" dirty="0" err="1" smtClean="0"/>
-              <a:t>less</a:t>
-            </a:r>
-            <a:r>
-              <a:rPr lang="fr-FR" dirty="0" smtClean="0"/>
-              <a:t>, more)</a:t>
-            </a:r>
-            <a:endParaRPr lang="fr-FR" dirty="0"/>
-          </a:p>
-        </p:txBody>
-      </p:sp>
-      <p:cxnSp>
-        <p:nvCxnSpPr>
-          <p:cNvPr id="7" name="Connecteur droit avec flèche 6"/>
-          <p:cNvCxnSpPr>
-            <a:stCxn id="4" idx="2"/>
-            <a:endCxn id="5" idx="0"/>
-          </p:cNvCxnSpPr>
-          <p:nvPr/>
-        </p:nvCxnSpPr>
-        <p:spPr>
-          <a:xfrm flipH="1">
-            <a:off x="1151620" y="2244934"/>
-            <a:ext cx="3060340" cy="1472098"/>
-          </a:xfrm>
-          <a:prstGeom prst="straightConnector1">
-            <a:avLst/>
-          </a:prstGeom>
-          <a:ln>
-            <a:tailEnd type="arrow"/>
-          </a:ln>
-        </p:spPr>
-        <p:style>
-          <a:lnRef idx="1">
-            <a:schemeClr val="dk1"/>
-          </a:lnRef>
-          <a:fillRef idx="0">
-            <a:schemeClr val="dk1"/>
-          </a:fillRef>
-          <a:effectRef idx="0">
-            <a:schemeClr val="dk1"/>
-          </a:effectRef>
-          <a:fontRef idx="minor">
-            <a:schemeClr val="tx1"/>
-          </a:fontRef>
-        </p:style>
-      </p:cxnSp>
-      <p:sp>
-        <p:nvSpPr>
-          <p:cNvPr id="17" name="ZoneTexte 16"/>
-          <p:cNvSpPr txBox="1"/>
-          <p:nvPr/>
-        </p:nvSpPr>
-        <p:spPr>
-          <a:xfrm>
-            <a:off x="4532402" y="3717032"/>
-            <a:ext cx="2016224" cy="646331"/>
-          </a:xfrm>
-          <a:prstGeom prst="rect">
-            <a:avLst/>
-          </a:prstGeom>
-          <a:noFill/>
-          <a:ln>
-            <a:solidFill>
-              <a:schemeClr val="tx1"/>
-            </a:solidFill>
-          </a:ln>
-        </p:spPr>
-        <p:txBody>
-          <a:bodyPr wrap="square" rtlCol="0">
-            <a:spAutoFit/>
-          </a:bodyPr>
-          <a:lstStyle/>
-          <a:p>
-            <a:pPr algn="ctr"/>
-            <a:r>
-              <a:rPr lang="fr-FR" dirty="0" err="1" smtClean="0"/>
-              <a:t>Ask.Preference</a:t>
-            </a:r>
-            <a:r>
-              <a:rPr lang="fr-FR" dirty="0" smtClean="0"/>
-              <a:t> </a:t>
-            </a:r>
-          </a:p>
-          <a:p>
-            <a:pPr algn="ctr"/>
-            <a:r>
-              <a:rPr lang="fr-FR" dirty="0" smtClean="0"/>
-              <a:t>(C, </a:t>
-            </a:r>
-            <a:r>
-              <a:rPr lang="fr-FR" dirty="0" err="1" smtClean="0"/>
-              <a:t>less</a:t>
-            </a:r>
-            <a:r>
-              <a:rPr lang="fr-FR" dirty="0" smtClean="0"/>
-              <a:t>, more)</a:t>
-            </a:r>
-            <a:endParaRPr lang="fr-FR" dirty="0"/>
-          </a:p>
-        </p:txBody>
-      </p:sp>
-      <p:cxnSp>
-        <p:nvCxnSpPr>
-          <p:cNvPr id="18" name="Connecteur droit avec flèche 17"/>
-          <p:cNvCxnSpPr>
-            <a:stCxn id="4" idx="2"/>
-            <a:endCxn id="17" idx="0"/>
-          </p:cNvCxnSpPr>
-          <p:nvPr/>
-        </p:nvCxnSpPr>
-        <p:spPr>
-          <a:xfrm>
-            <a:off x="4211960" y="2244934"/>
-            <a:ext cx="1328554" cy="1472098"/>
-          </a:xfrm>
-          <a:prstGeom prst="straightConnector1">
-            <a:avLst/>
-          </a:prstGeom>
-          <a:ln>
-            <a:tailEnd type="arrow"/>
-          </a:ln>
-        </p:spPr>
-        <p:style>
-          <a:lnRef idx="1">
-            <a:schemeClr val="dk1"/>
-          </a:lnRef>
-          <a:fillRef idx="0">
-            <a:schemeClr val="dk1"/>
-          </a:fillRef>
-          <a:effectRef idx="0">
-            <a:schemeClr val="dk1"/>
-          </a:effectRef>
-          <a:fontRef idx="minor">
-            <a:schemeClr val="tx1"/>
-          </a:fontRef>
-        </p:style>
-      </p:cxnSp>
-      <p:sp>
-        <p:nvSpPr>
-          <p:cNvPr id="12" name="ZoneTexte 11"/>
-          <p:cNvSpPr txBox="1"/>
-          <p:nvPr/>
-        </p:nvSpPr>
-        <p:spPr>
-          <a:xfrm>
-            <a:off x="2555776" y="3717032"/>
-            <a:ext cx="1440160" cy="646331"/>
-          </a:xfrm>
-          <a:prstGeom prst="rect">
-            <a:avLst/>
-          </a:prstGeom>
-          <a:noFill/>
-          <a:ln>
-            <a:solidFill>
-              <a:schemeClr val="tx1"/>
-            </a:solidFill>
-          </a:ln>
-        </p:spPr>
-        <p:txBody>
-          <a:bodyPr wrap="square" rtlCol="0">
-            <a:spAutoFit/>
-          </a:bodyPr>
-          <a:lstStyle/>
-          <a:p>
-            <a:pPr algn="ctr"/>
-            <a:r>
-              <a:rPr lang="fr-FR" dirty="0" smtClean="0"/>
-              <a:t>Propose (value2)</a:t>
-            </a:r>
-            <a:endParaRPr lang="fr-FR" dirty="0"/>
-          </a:p>
-        </p:txBody>
-      </p:sp>
-      <p:cxnSp>
-        <p:nvCxnSpPr>
-          <p:cNvPr id="13" name="Connecteur droit avec flèche 12"/>
-          <p:cNvCxnSpPr>
-            <a:stCxn id="4" idx="2"/>
-            <a:endCxn id="12" idx="0"/>
-          </p:cNvCxnSpPr>
-          <p:nvPr/>
-        </p:nvCxnSpPr>
-        <p:spPr>
-          <a:xfrm flipH="1">
-            <a:off x="3275856" y="2244934"/>
-            <a:ext cx="936104" cy="1472098"/>
-          </a:xfrm>
-          <a:prstGeom prst="straightConnector1">
-            <a:avLst/>
-          </a:prstGeom>
-          <a:ln>
-            <a:tailEnd type="arrow"/>
-          </a:ln>
-        </p:spPr>
-        <p:style>
-          <a:lnRef idx="1">
-            <a:schemeClr val="dk1"/>
-          </a:lnRef>
-          <a:fillRef idx="0">
-            <a:schemeClr val="dk1"/>
-          </a:fillRef>
-          <a:effectRef idx="0">
-            <a:schemeClr val="dk1"/>
-          </a:effectRef>
-          <a:fontRef idx="minor">
-            <a:schemeClr val="tx1"/>
-          </a:fontRef>
-        </p:style>
-      </p:cxnSp>
-      <p:sp>
-        <p:nvSpPr>
-          <p:cNvPr id="19" name="ZoneTexte 18"/>
-          <p:cNvSpPr txBox="1"/>
-          <p:nvPr/>
-        </p:nvSpPr>
-        <p:spPr>
-          <a:xfrm>
-            <a:off x="7164288" y="3707739"/>
-            <a:ext cx="1296144" cy="646331"/>
-          </a:xfrm>
-          <a:prstGeom prst="rect">
-            <a:avLst/>
-          </a:prstGeom>
-          <a:noFill/>
-          <a:ln>
-            <a:solidFill>
-              <a:schemeClr val="tx1"/>
-            </a:solidFill>
-          </a:ln>
-        </p:spPr>
-        <p:txBody>
-          <a:bodyPr wrap="square" rtlCol="0">
-            <a:spAutoFit/>
-          </a:bodyPr>
-          <a:lstStyle/>
-          <a:p>
-            <a:pPr algn="ctr"/>
-            <a:r>
-              <a:rPr lang="fr-FR" dirty="0" smtClean="0"/>
-              <a:t>Propose </a:t>
-            </a:r>
-          </a:p>
-          <a:p>
-            <a:pPr algn="ctr"/>
-            <a:r>
-              <a:rPr lang="fr-FR" dirty="0" smtClean="0"/>
-              <a:t>(value)</a:t>
-            </a:r>
-            <a:endParaRPr lang="fr-FR" dirty="0"/>
-          </a:p>
-        </p:txBody>
-      </p:sp>
-      <p:cxnSp>
-        <p:nvCxnSpPr>
-          <p:cNvPr id="21" name="Connecteur droit avec flèche 20"/>
-          <p:cNvCxnSpPr>
-            <a:stCxn id="4" idx="2"/>
-            <a:endCxn id="19" idx="0"/>
-          </p:cNvCxnSpPr>
-          <p:nvPr/>
-        </p:nvCxnSpPr>
-        <p:spPr>
-          <a:xfrm>
-            <a:off x="4211960" y="2244934"/>
-            <a:ext cx="3600400" cy="1462805"/>
-          </a:xfrm>
-          <a:prstGeom prst="straightConnector1">
-            <a:avLst/>
-          </a:prstGeom>
-          <a:ln>
-            <a:tailEnd type="arrow"/>
-          </a:ln>
-        </p:spPr>
-        <p:style>
-          <a:lnRef idx="1">
-            <a:schemeClr val="dk1"/>
-          </a:lnRef>
-          <a:fillRef idx="0">
-            <a:schemeClr val="dk1"/>
-          </a:fillRef>
-          <a:effectRef idx="0">
-            <a:schemeClr val="dk1"/>
-          </a:effectRef>
-          <a:fontRef idx="minor">
-            <a:schemeClr val="tx1"/>
-          </a:fontRef>
-        </p:style>
-      </p:cxnSp>
-    </p:spTree>
-    <p:extLst>
-      <p:ext uri="{BB962C8B-B14F-4D97-AF65-F5344CB8AC3E}">
-        <p14:creationId xmlns:p14="http://schemas.microsoft.com/office/powerpoint/2010/main" val="146223701"/>
-      </p:ext>
-    </p:extLst>
-  </p:cSld>
-  <p:clrMapOvr>
-    <a:masterClrMapping/>
-  </p:clrMapOvr>
-</p:sld>
-</file>
-
-<file path=ppt/slides/slide6.xml><?xml version="1.0" encoding="utf-8"?>
-<p:sld xmlns:a="http://schemas.openxmlformats.org/drawingml/2006/main" xmlns:r="http://schemas.openxmlformats.org/officeDocument/2006/relationships" xmlns:p="http://schemas.openxmlformats.org/presentationml/2006/main">
-  <p:cSld>
-    <p:spTree>
-      <p:nvGrpSpPr>
-        <p:cNvPr id="1" name=""/>
-        <p:cNvGrpSpPr/>
-        <p:nvPr/>
-      </p:nvGrpSpPr>
-      <p:grpSpPr>
-        <a:xfrm>
-          <a:off x="0" y="0"/>
-          <a:ext cx="0" cy="0"/>
-          <a:chOff x="0" y="0"/>
-          <a:chExt cx="0" cy="0"/>
-        </a:xfrm>
-      </p:grpSpPr>
-      <p:sp>
-        <p:nvSpPr>
-          <p:cNvPr id="4" name="ZoneTexte 3"/>
-          <p:cNvSpPr txBox="1"/>
-          <p:nvPr/>
-        </p:nvSpPr>
-        <p:spPr>
-          <a:xfrm>
-            <a:off x="3425720" y="1772816"/>
-            <a:ext cx="2304256" cy="400110"/>
-          </a:xfrm>
-          <a:prstGeom prst="rect">
-            <a:avLst/>
-          </a:prstGeom>
-          <a:noFill/>
-          <a:ln>
-            <a:solidFill>
-              <a:schemeClr val="tx1"/>
-            </a:solidFill>
-          </a:ln>
-        </p:spPr>
-        <p:txBody>
-          <a:bodyPr wrap="square" rtlCol="0">
-            <a:spAutoFit/>
-          </a:bodyPr>
-          <a:lstStyle/>
-          <a:p>
-            <a:pPr algn="ctr"/>
-            <a:r>
-              <a:rPr lang="fr-FR" sz="2000" b="1" dirty="0" err="1" smtClean="0"/>
-              <a:t>Accept</a:t>
-            </a:r>
-            <a:r>
-              <a:rPr lang="fr-FR" sz="2000" b="1" dirty="0" smtClean="0"/>
-              <a:t>(value)</a:t>
-            </a:r>
-            <a:endParaRPr lang="fr-FR" dirty="0"/>
-          </a:p>
-        </p:txBody>
-      </p:sp>
-      <p:sp>
-        <p:nvSpPr>
-          <p:cNvPr id="8" name="ZoneTexte 7"/>
-          <p:cNvSpPr txBox="1"/>
-          <p:nvPr/>
-        </p:nvSpPr>
-        <p:spPr>
-          <a:xfrm>
-            <a:off x="3641744" y="3707740"/>
-            <a:ext cx="1872208" cy="369332"/>
-          </a:xfrm>
-          <a:prstGeom prst="rect">
-            <a:avLst/>
-          </a:prstGeom>
-          <a:noFill/>
-          <a:ln>
-            <a:solidFill>
-              <a:schemeClr val="tx1"/>
-            </a:solidFill>
-          </a:ln>
-        </p:spPr>
-        <p:txBody>
-          <a:bodyPr wrap="square" rtlCol="0">
-            <a:spAutoFit/>
-          </a:bodyPr>
-          <a:lstStyle/>
-          <a:p>
-            <a:pPr algn="ctr"/>
-            <a:r>
-              <a:rPr lang="fr-FR" dirty="0" smtClean="0"/>
-              <a:t>Propose (value2)</a:t>
-            </a:r>
-            <a:endParaRPr lang="fr-FR" dirty="0"/>
-          </a:p>
-        </p:txBody>
-      </p:sp>
-      <p:cxnSp>
-        <p:nvCxnSpPr>
-          <p:cNvPr id="9" name="Connecteur droit avec flèche 8"/>
-          <p:cNvCxnSpPr>
-            <a:stCxn id="4" idx="2"/>
-            <a:endCxn id="8" idx="0"/>
-          </p:cNvCxnSpPr>
-          <p:nvPr/>
-        </p:nvCxnSpPr>
-        <p:spPr>
-          <a:xfrm>
-            <a:off x="4577848" y="2172926"/>
-            <a:ext cx="0" cy="1534814"/>
-          </a:xfrm>
-          <a:prstGeom prst="straightConnector1">
-            <a:avLst/>
-          </a:prstGeom>
-          <a:ln>
-            <a:tailEnd type="arrow"/>
-          </a:ln>
-        </p:spPr>
-        <p:style>
-          <a:lnRef idx="1">
-            <a:schemeClr val="dk1"/>
-          </a:lnRef>
-          <a:fillRef idx="0">
-            <a:schemeClr val="dk1"/>
-          </a:fillRef>
-          <a:effectRef idx="0">
-            <a:schemeClr val="dk1"/>
-          </a:effectRef>
-          <a:fontRef idx="minor">
-            <a:schemeClr val="tx1"/>
-          </a:fontRef>
-        </p:style>
-      </p:cxnSp>
-      <p:sp>
-        <p:nvSpPr>
-          <p:cNvPr id="10" name="ZoneTexte 9"/>
-          <p:cNvSpPr txBox="1"/>
-          <p:nvPr/>
-        </p:nvSpPr>
-        <p:spPr>
-          <a:xfrm>
-            <a:off x="203200" y="3707740"/>
-            <a:ext cx="3216672" cy="369332"/>
-          </a:xfrm>
-          <a:prstGeom prst="rect">
-            <a:avLst/>
-          </a:prstGeom>
-          <a:noFill/>
-          <a:ln>
-            <a:solidFill>
-              <a:schemeClr val="tx1"/>
-            </a:solidFill>
-          </a:ln>
-        </p:spPr>
-        <p:txBody>
-          <a:bodyPr wrap="square" rtlCol="0">
-            <a:spAutoFit/>
-          </a:bodyPr>
-          <a:lstStyle/>
-          <a:p>
-            <a:pPr algn="ctr"/>
-            <a:r>
-              <a:rPr lang="fr-FR" dirty="0" err="1" smtClean="0"/>
-              <a:t>State.Preference</a:t>
-            </a:r>
-            <a:r>
-              <a:rPr lang="fr-FR" dirty="0" smtClean="0"/>
-              <a:t> (C1, </a:t>
-            </a:r>
-            <a:r>
-              <a:rPr lang="fr-FR" dirty="0" err="1" smtClean="0"/>
-              <a:t>less</a:t>
-            </a:r>
-            <a:r>
-              <a:rPr lang="fr-FR" dirty="0" smtClean="0"/>
-              <a:t>, more)</a:t>
-            </a:r>
-            <a:endParaRPr lang="fr-FR" dirty="0"/>
-          </a:p>
-        </p:txBody>
-      </p:sp>
-      <p:cxnSp>
-        <p:nvCxnSpPr>
-          <p:cNvPr id="11" name="Connecteur droit avec flèche 10"/>
-          <p:cNvCxnSpPr>
-            <a:stCxn id="4" idx="2"/>
-            <a:endCxn id="10" idx="0"/>
-          </p:cNvCxnSpPr>
-          <p:nvPr/>
-        </p:nvCxnSpPr>
-        <p:spPr>
-          <a:xfrm flipH="1">
-            <a:off x="1811536" y="2172926"/>
-            <a:ext cx="2766312" cy="1534814"/>
-          </a:xfrm>
-          <a:prstGeom prst="straightConnector1">
-            <a:avLst/>
-          </a:prstGeom>
-          <a:ln>
-            <a:tailEnd type="arrow"/>
-          </a:ln>
-        </p:spPr>
-        <p:style>
-          <a:lnRef idx="1">
-            <a:schemeClr val="dk1"/>
-          </a:lnRef>
-          <a:fillRef idx="0">
-            <a:schemeClr val="dk1"/>
-          </a:fillRef>
-          <a:effectRef idx="0">
-            <a:schemeClr val="dk1"/>
-          </a:effectRef>
-          <a:fontRef idx="minor">
-            <a:schemeClr val="tx1"/>
-          </a:fontRef>
-        </p:style>
-      </p:cxnSp>
-      <p:sp>
-        <p:nvSpPr>
-          <p:cNvPr id="17" name="ZoneTexte 16"/>
-          <p:cNvSpPr txBox="1"/>
-          <p:nvPr/>
-        </p:nvSpPr>
-        <p:spPr>
-          <a:xfrm>
-            <a:off x="5729976" y="3707740"/>
-            <a:ext cx="3090496" cy="369332"/>
-          </a:xfrm>
-          <a:prstGeom prst="rect">
-            <a:avLst/>
-          </a:prstGeom>
-          <a:noFill/>
-          <a:ln>
-            <a:solidFill>
-              <a:schemeClr val="tx1"/>
-            </a:solidFill>
-          </a:ln>
-        </p:spPr>
-        <p:txBody>
-          <a:bodyPr wrap="square" rtlCol="0">
-            <a:spAutoFit/>
-          </a:bodyPr>
-          <a:lstStyle/>
-          <a:p>
-            <a:pPr algn="ctr"/>
-            <a:r>
-              <a:rPr lang="fr-FR" dirty="0" err="1" smtClean="0"/>
-              <a:t>Ask.Preference</a:t>
-            </a:r>
-            <a:r>
-              <a:rPr lang="fr-FR" dirty="0" smtClean="0"/>
-              <a:t> (C1, </a:t>
-            </a:r>
-            <a:r>
-              <a:rPr lang="fr-FR" dirty="0" err="1" smtClean="0"/>
-              <a:t>less</a:t>
-            </a:r>
-            <a:r>
-              <a:rPr lang="fr-FR" dirty="0" smtClean="0"/>
-              <a:t>, more)</a:t>
-            </a:r>
-            <a:endParaRPr lang="fr-FR" dirty="0"/>
-          </a:p>
-        </p:txBody>
-      </p:sp>
-      <p:cxnSp>
-        <p:nvCxnSpPr>
-          <p:cNvPr id="18" name="Connecteur droit avec flèche 17"/>
-          <p:cNvCxnSpPr>
-            <a:stCxn id="4" idx="2"/>
-            <a:endCxn id="17" idx="0"/>
-          </p:cNvCxnSpPr>
-          <p:nvPr/>
-        </p:nvCxnSpPr>
-        <p:spPr>
-          <a:xfrm>
-            <a:off x="4577848" y="2172926"/>
-            <a:ext cx="2697376" cy="1534814"/>
-          </a:xfrm>
-          <a:prstGeom prst="straightConnector1">
-            <a:avLst/>
-          </a:prstGeom>
-          <a:ln>
-            <a:tailEnd type="arrow"/>
-          </a:ln>
-        </p:spPr>
-        <p:style>
-          <a:lnRef idx="1">
-            <a:schemeClr val="dk1"/>
-          </a:lnRef>
-          <a:fillRef idx="0">
-            <a:schemeClr val="dk1"/>
-          </a:fillRef>
-          <a:effectRef idx="0">
-            <a:schemeClr val="dk1"/>
-          </a:effectRef>
-          <a:fontRef idx="minor">
-            <a:schemeClr val="tx1"/>
-          </a:fontRef>
-        </p:style>
-      </p:cxnSp>
-    </p:spTree>
-    <p:extLst>
-      <p:ext uri="{BB962C8B-B14F-4D97-AF65-F5344CB8AC3E}">
-        <p14:creationId xmlns:p14="http://schemas.microsoft.com/office/powerpoint/2010/main" val="3787434435"/>
+        <p14:creationId xmlns:p14="http://schemas.microsoft.com/office/powerpoint/2010/main" val="2760588161"/>
       </p:ext>
     </p:extLst>
   </p:cSld>

--- a/papers/WACAI_2016/figs/statePref.pptx
+++ b/papers/WACAI_2016/figs/statePref.pptx
@@ -6,6 +6,7 @@
   </p:sldMasterIdLst>
   <p:sldIdLst>
     <p:sldId id="256" r:id="rId2"/>
+    <p:sldId id="257" r:id="rId3"/>
   </p:sldIdLst>
   <p:sldSz cx="9144000" cy="6858000" type="screen4x3"/>
   <p:notesSz cx="6858000" cy="9144000"/>
@@ -288,7 +289,7 @@
           <a:p>
             <a:fld id="{F2689293-C4F3-4144-AB9C-61D505DB6B46}" type="datetimeFigureOut">
               <a:rPr lang="fr-FR" smtClean="0"/>
-              <a:t>14/04/2016</a:t>
+              <a:t>15/04/2016</a:t>
             </a:fld>
             <a:endParaRPr lang="fr-FR"/>
           </a:p>
@@ -458,7 +459,7 @@
           <a:p>
             <a:fld id="{F2689293-C4F3-4144-AB9C-61D505DB6B46}" type="datetimeFigureOut">
               <a:rPr lang="fr-FR" smtClean="0"/>
-              <a:t>14/04/2016</a:t>
+              <a:t>15/04/2016</a:t>
             </a:fld>
             <a:endParaRPr lang="fr-FR"/>
           </a:p>
@@ -638,7 +639,7 @@
           <a:p>
             <a:fld id="{F2689293-C4F3-4144-AB9C-61D505DB6B46}" type="datetimeFigureOut">
               <a:rPr lang="fr-FR" smtClean="0"/>
-              <a:t>14/04/2016</a:t>
+              <a:t>15/04/2016</a:t>
             </a:fld>
             <a:endParaRPr lang="fr-FR"/>
           </a:p>
@@ -808,7 +809,7 @@
           <a:p>
             <a:fld id="{F2689293-C4F3-4144-AB9C-61D505DB6B46}" type="datetimeFigureOut">
               <a:rPr lang="fr-FR" smtClean="0"/>
-              <a:t>14/04/2016</a:t>
+              <a:t>15/04/2016</a:t>
             </a:fld>
             <a:endParaRPr lang="fr-FR"/>
           </a:p>
@@ -1054,7 +1055,7 @@
           <a:p>
             <a:fld id="{F2689293-C4F3-4144-AB9C-61D505DB6B46}" type="datetimeFigureOut">
               <a:rPr lang="fr-FR" smtClean="0"/>
-              <a:t>14/04/2016</a:t>
+              <a:t>15/04/2016</a:t>
             </a:fld>
             <a:endParaRPr lang="fr-FR"/>
           </a:p>
@@ -1342,7 +1343,7 @@
           <a:p>
             <a:fld id="{F2689293-C4F3-4144-AB9C-61D505DB6B46}" type="datetimeFigureOut">
               <a:rPr lang="fr-FR" smtClean="0"/>
-              <a:t>14/04/2016</a:t>
+              <a:t>15/04/2016</a:t>
             </a:fld>
             <a:endParaRPr lang="fr-FR"/>
           </a:p>
@@ -1764,7 +1765,7 @@
           <a:p>
             <a:fld id="{F2689293-C4F3-4144-AB9C-61D505DB6B46}" type="datetimeFigureOut">
               <a:rPr lang="fr-FR" smtClean="0"/>
-              <a:t>14/04/2016</a:t>
+              <a:t>15/04/2016</a:t>
             </a:fld>
             <a:endParaRPr lang="fr-FR"/>
           </a:p>
@@ -1882,7 +1883,7 @@
           <a:p>
             <a:fld id="{F2689293-C4F3-4144-AB9C-61D505DB6B46}" type="datetimeFigureOut">
               <a:rPr lang="fr-FR" smtClean="0"/>
-              <a:t>14/04/2016</a:t>
+              <a:t>15/04/2016</a:t>
             </a:fld>
             <a:endParaRPr lang="fr-FR"/>
           </a:p>
@@ -1977,7 +1978,7 @@
           <a:p>
             <a:fld id="{F2689293-C4F3-4144-AB9C-61D505DB6B46}" type="datetimeFigureOut">
               <a:rPr lang="fr-FR" smtClean="0"/>
-              <a:t>14/04/2016</a:t>
+              <a:t>15/04/2016</a:t>
             </a:fld>
             <a:endParaRPr lang="fr-FR"/>
           </a:p>
@@ -2254,7 +2255,7 @@
           <a:p>
             <a:fld id="{F2689293-C4F3-4144-AB9C-61D505DB6B46}" type="datetimeFigureOut">
               <a:rPr lang="fr-FR" smtClean="0"/>
-              <a:t>14/04/2016</a:t>
+              <a:t>15/04/2016</a:t>
             </a:fld>
             <a:endParaRPr lang="fr-FR"/>
           </a:p>
@@ -2507,7 +2508,7 @@
           <a:p>
             <a:fld id="{F2689293-C4F3-4144-AB9C-61D505DB6B46}" type="datetimeFigureOut">
               <a:rPr lang="fr-FR" smtClean="0"/>
-              <a:t>14/04/2016</a:t>
+              <a:t>15/04/2016</a:t>
             </a:fld>
             <a:endParaRPr lang="fr-FR"/>
           </a:p>
@@ -2720,7 +2721,7 @@
           <a:p>
             <a:fld id="{F2689293-C4F3-4144-AB9C-61D505DB6B46}" type="datetimeFigureOut">
               <a:rPr lang="fr-FR" smtClean="0"/>
-              <a:t>14/04/2016</a:t>
+              <a:t>15/04/2016</a:t>
             </a:fld>
             <a:endParaRPr lang="fr-FR"/>
           </a:p>
@@ -4256,6 +4257,1584 @@
 </p:sld>
 </file>
 
+<file path=ppt/slides/slide2.xml><?xml version="1.0" encoding="utf-8"?>
+<p:sld xmlns:a="http://schemas.openxmlformats.org/drawingml/2006/main" xmlns:r="http://schemas.openxmlformats.org/officeDocument/2006/relationships" xmlns:p="http://schemas.openxmlformats.org/presentationml/2006/main">
+  <p:cSld>
+    <p:spTree>
+      <p:nvGrpSpPr>
+        <p:cNvPr id="1" name=""/>
+        <p:cNvGrpSpPr/>
+        <p:nvPr/>
+      </p:nvGrpSpPr>
+      <p:grpSpPr>
+        <a:xfrm>
+          <a:off x="0" y="0"/>
+          <a:ext cx="0" cy="0"/>
+          <a:chOff x="0" y="0"/>
+          <a:chExt cx="0" cy="0"/>
+        </a:xfrm>
+      </p:grpSpPr>
+      <p:sp>
+        <p:nvSpPr>
+          <p:cNvPr id="17" name="ZoneTexte 16"/>
+          <p:cNvSpPr txBox="1"/>
+          <p:nvPr/>
+        </p:nvSpPr>
+        <p:spPr>
+          <a:xfrm>
+            <a:off x="91386" y="0"/>
+            <a:ext cx="2563522" cy="400110"/>
+          </a:xfrm>
+          <a:prstGeom prst="rect">
+            <a:avLst/>
+          </a:prstGeom>
+          <a:noFill/>
+        </p:spPr>
+        <p:txBody>
+          <a:bodyPr wrap="none" rtlCol="0">
+            <a:spAutoFit/>
+          </a:bodyPr>
+          <a:lstStyle/>
+          <a:p>
+            <a:r>
+              <a:rPr lang="fr-FR" sz="2000" b="1" dirty="0" smtClean="0">
+                <a:solidFill>
+                  <a:schemeClr val="bg1"/>
+                </a:solidFill>
+              </a:rPr>
+              <a:t>Modèle de dialogue</a:t>
+            </a:r>
+            <a:endParaRPr lang="fr-FR" sz="2000" b="1" dirty="0">
+              <a:solidFill>
+                <a:schemeClr val="bg1"/>
+              </a:solidFill>
+            </a:endParaRPr>
+          </a:p>
+        </p:txBody>
+      </p:sp>
+      <p:pic>
+        <p:nvPicPr>
+          <p:cNvPr id="1026" name="Picture 2" descr="http://aapars.com/marie-anne-grandmont/files/2010/10/user-icon-e1286135502728.png"/>
+          <p:cNvPicPr>
+            <a:picLocks noChangeAspect="1" noChangeArrowheads="1"/>
+          </p:cNvPicPr>
+          <p:nvPr/>
+        </p:nvPicPr>
+        <p:blipFill>
+          <a:blip r:embed="rId2" cstate="print">
+            <a:extLst>
+              <a:ext uri="{28A0092B-C50C-407E-A947-70E740481C1C}">
+                <a14:useLocalDpi xmlns:a14="http://schemas.microsoft.com/office/drawing/2010/main" val="0"/>
+              </a:ext>
+            </a:extLst>
+          </a:blip>
+          <a:srcRect/>
+          <a:stretch>
+            <a:fillRect/>
+          </a:stretch>
+        </p:blipFill>
+        <p:spPr bwMode="auto">
+          <a:xfrm>
+            <a:off x="8188385" y="1844824"/>
+            <a:ext cx="914723" cy="835940"/>
+          </a:xfrm>
+          <a:prstGeom prst="rect">
+            <a:avLst/>
+          </a:prstGeom>
+          <a:noFill/>
+          <a:ln>
+            <a:solidFill>
+              <a:schemeClr val="tx1"/>
+            </a:solidFill>
+          </a:ln>
+          <a:extLst>
+            <a:ext uri="{909E8E84-426E-40DD-AFC4-6F175D3DCCD1}">
+              <a14:hiddenFill xmlns:a14="http://schemas.microsoft.com/office/drawing/2010/main">
+                <a:solidFill>
+                  <a:srgbClr val="FFFFFF"/>
+                </a:solidFill>
+              </a14:hiddenFill>
+            </a:ext>
+          </a:extLst>
+        </p:spPr>
+      </p:pic>
+      <p:grpSp>
+        <p:nvGrpSpPr>
+          <p:cNvPr id="34" name="Groupe 33"/>
+          <p:cNvGrpSpPr/>
+          <p:nvPr/>
+        </p:nvGrpSpPr>
+        <p:grpSpPr>
+          <a:xfrm>
+            <a:off x="35496" y="620688"/>
+            <a:ext cx="2772309" cy="4586581"/>
+            <a:chOff x="395536" y="620688"/>
+            <a:chExt cx="2772309" cy="4586581"/>
+          </a:xfrm>
+        </p:grpSpPr>
+        <p:sp>
+          <p:nvSpPr>
+            <p:cNvPr id="20" name="Rectangle 19"/>
+            <p:cNvSpPr/>
+            <p:nvPr/>
+          </p:nvSpPr>
+          <p:spPr>
+            <a:xfrm>
+              <a:off x="395536" y="620688"/>
+              <a:ext cx="2772309" cy="607910"/>
+            </a:xfrm>
+            <a:prstGeom prst="rect">
+              <a:avLst/>
+            </a:prstGeom>
+            <a:noFill/>
+            <a:ln w="3175">
+              <a:solidFill>
+                <a:schemeClr val="tx1"/>
+              </a:solidFill>
+            </a:ln>
+          </p:spPr>
+          <p:style>
+            <a:lnRef idx="2">
+              <a:schemeClr val="accent1">
+                <a:shade val="50000"/>
+              </a:schemeClr>
+            </a:lnRef>
+            <a:fillRef idx="1">
+              <a:schemeClr val="accent1"/>
+            </a:fillRef>
+            <a:effectRef idx="0">
+              <a:schemeClr val="accent1"/>
+            </a:effectRef>
+            <a:fontRef idx="minor">
+              <a:schemeClr val="lt1"/>
+            </a:fontRef>
+          </p:style>
+          <p:txBody>
+            <a:bodyPr rtlCol="0" anchor="ctr"/>
+            <a:lstStyle/>
+            <a:p>
+              <a:pPr algn="ctr"/>
+              <a:r>
+                <a:rPr lang="fr-FR" sz="2000" b="1" dirty="0" smtClean="0">
+                  <a:solidFill>
+                    <a:schemeClr val="tx1"/>
+                  </a:solidFill>
+                </a:rPr>
+                <a:t>Etat mental</a:t>
+              </a:r>
+              <a:endParaRPr lang="fr-FR" sz="2000" b="1" dirty="0">
+                <a:solidFill>
+                  <a:schemeClr val="tx1"/>
+                </a:solidFill>
+              </a:endParaRPr>
+            </a:p>
+          </p:txBody>
+        </p:sp>
+        <p:grpSp>
+          <p:nvGrpSpPr>
+            <p:cNvPr id="27" name="Groupe 26"/>
+            <p:cNvGrpSpPr/>
+            <p:nvPr/>
+          </p:nvGrpSpPr>
+          <p:grpSpPr>
+            <a:xfrm>
+              <a:off x="395536" y="1237911"/>
+              <a:ext cx="2772309" cy="3969358"/>
+              <a:chOff x="395536" y="1237911"/>
+              <a:chExt cx="2772309" cy="3969358"/>
+            </a:xfrm>
+          </p:grpSpPr>
+          <p:sp>
+            <p:nvSpPr>
+              <p:cNvPr id="5" name="Rectangle 4"/>
+              <p:cNvSpPr/>
+              <p:nvPr/>
+            </p:nvSpPr>
+            <p:spPr>
+              <a:xfrm flipH="1">
+                <a:off x="539552" y="1484784"/>
+                <a:ext cx="2520282" cy="663275"/>
+              </a:xfrm>
+              <a:prstGeom prst="rect">
+                <a:avLst/>
+              </a:prstGeom>
+              <a:solidFill>
+                <a:schemeClr val="accent1">
+                  <a:lumMod val="60000"/>
+                  <a:lumOff val="40000"/>
+                </a:schemeClr>
+              </a:solidFill>
+              <a:ln>
+                <a:noFill/>
+              </a:ln>
+            </p:spPr>
+            <p:style>
+              <a:lnRef idx="2">
+                <a:schemeClr val="accent1"/>
+              </a:lnRef>
+              <a:fillRef idx="1">
+                <a:schemeClr val="lt1"/>
+              </a:fillRef>
+              <a:effectRef idx="0">
+                <a:schemeClr val="accent1"/>
+              </a:effectRef>
+              <a:fontRef idx="minor">
+                <a:schemeClr val="dk1"/>
+              </a:fontRef>
+            </p:style>
+            <p:txBody>
+              <a:bodyPr rtlCol="0" anchor="ctr"/>
+              <a:lstStyle/>
+              <a:p>
+                <a:pPr algn="ctr"/>
+                <a:r>
+                  <a:rPr lang="fr-FR" dirty="0" smtClean="0"/>
+                  <a:t>Modèle de préférences de l’agent </a:t>
+                </a:r>
+                <a:r>
+                  <a:rPr lang="fr-FR" sz="2000" b="1" dirty="0" err="1" smtClean="0"/>
+                  <a:t>P</a:t>
+                </a:r>
+                <a:r>
+                  <a:rPr lang="fr-FR" sz="2000" b="1" baseline="-25000" dirty="0" err="1" smtClean="0"/>
+                  <a:t>agent</a:t>
+                </a:r>
+                <a:endParaRPr lang="fr-FR" sz="2000" b="1" dirty="0"/>
+              </a:p>
+            </p:txBody>
+          </p:sp>
+          <p:sp>
+            <p:nvSpPr>
+              <p:cNvPr id="19" name="Rectangle 18"/>
+              <p:cNvSpPr/>
+              <p:nvPr/>
+            </p:nvSpPr>
+            <p:spPr>
+              <a:xfrm>
+                <a:off x="395536" y="1237911"/>
+                <a:ext cx="2772309" cy="3969358"/>
+              </a:xfrm>
+              <a:prstGeom prst="rect">
+                <a:avLst/>
+              </a:prstGeom>
+              <a:noFill/>
+              <a:ln w="3175">
+                <a:solidFill>
+                  <a:schemeClr val="tx1"/>
+                </a:solidFill>
+              </a:ln>
+            </p:spPr>
+            <p:style>
+              <a:lnRef idx="2">
+                <a:schemeClr val="accent1">
+                  <a:shade val="50000"/>
+                </a:schemeClr>
+              </a:lnRef>
+              <a:fillRef idx="1">
+                <a:schemeClr val="accent1"/>
+              </a:fillRef>
+              <a:effectRef idx="0">
+                <a:schemeClr val="accent1"/>
+              </a:effectRef>
+              <a:fontRef idx="minor">
+                <a:schemeClr val="lt1"/>
+              </a:fontRef>
+            </p:style>
+            <p:txBody>
+              <a:bodyPr rtlCol="0" anchor="ctr"/>
+              <a:lstStyle/>
+              <a:p>
+                <a:pPr algn="ctr"/>
+                <a:endParaRPr lang="fr-FR"/>
+              </a:p>
+            </p:txBody>
+          </p:sp>
+          <p:sp>
+            <p:nvSpPr>
+              <p:cNvPr id="22" name="Rectangle 21"/>
+              <p:cNvSpPr/>
+              <p:nvPr/>
+            </p:nvSpPr>
+            <p:spPr>
+              <a:xfrm flipH="1">
+                <a:off x="521549" y="2276872"/>
+                <a:ext cx="2520282" cy="663275"/>
+              </a:xfrm>
+              <a:prstGeom prst="rect">
+                <a:avLst/>
+              </a:prstGeom>
+              <a:solidFill>
+                <a:schemeClr val="accent1">
+                  <a:lumMod val="60000"/>
+                  <a:lumOff val="40000"/>
+                </a:schemeClr>
+              </a:solidFill>
+              <a:ln>
+                <a:noFill/>
+              </a:ln>
+            </p:spPr>
+            <p:style>
+              <a:lnRef idx="2">
+                <a:schemeClr val="accent1"/>
+              </a:lnRef>
+              <a:fillRef idx="1">
+                <a:schemeClr val="lt1"/>
+              </a:fillRef>
+              <a:effectRef idx="0">
+                <a:schemeClr val="accent1"/>
+              </a:effectRef>
+              <a:fontRef idx="minor">
+                <a:schemeClr val="dk1"/>
+              </a:fontRef>
+            </p:style>
+            <p:txBody>
+              <a:bodyPr rtlCol="0" anchor="ctr"/>
+              <a:lstStyle/>
+              <a:p>
+                <a:pPr algn="ctr"/>
+                <a:r>
+                  <a:rPr lang="fr-FR" dirty="0" smtClean="0"/>
+                  <a:t>Modèle de préférences de l’utilisateur </a:t>
+                </a:r>
+                <a:r>
+                  <a:rPr lang="fr-FR" sz="2000" b="1" dirty="0" err="1" smtClean="0"/>
+                  <a:t>P</a:t>
+                </a:r>
+                <a:r>
+                  <a:rPr lang="fr-FR" sz="2000" b="1" baseline="-25000" dirty="0" err="1" smtClean="0"/>
+                  <a:t>user</a:t>
+                </a:r>
+                <a:endParaRPr lang="fr-FR" sz="2000" b="1" dirty="0"/>
+              </a:p>
+            </p:txBody>
+          </p:sp>
+          <p:sp>
+            <p:nvSpPr>
+              <p:cNvPr id="23" name="Rectangle 22"/>
+              <p:cNvSpPr/>
+              <p:nvPr/>
+            </p:nvSpPr>
+            <p:spPr>
+              <a:xfrm flipH="1">
+                <a:off x="507439" y="3068960"/>
+                <a:ext cx="2520282" cy="922084"/>
+              </a:xfrm>
+              <a:prstGeom prst="rect">
+                <a:avLst/>
+              </a:prstGeom>
+              <a:solidFill>
+                <a:schemeClr val="accent1">
+                  <a:lumMod val="60000"/>
+                  <a:lumOff val="40000"/>
+                </a:schemeClr>
+              </a:solidFill>
+              <a:ln>
+                <a:noFill/>
+              </a:ln>
+            </p:spPr>
+            <p:style>
+              <a:lnRef idx="2">
+                <a:schemeClr val="accent1"/>
+              </a:lnRef>
+              <a:fillRef idx="1">
+                <a:schemeClr val="lt1"/>
+              </a:fillRef>
+              <a:effectRef idx="0">
+                <a:schemeClr val="accent1"/>
+              </a:effectRef>
+              <a:fontRef idx="minor">
+                <a:schemeClr val="dk1"/>
+              </a:fontRef>
+            </p:style>
+            <p:txBody>
+              <a:bodyPr rtlCol="0" anchor="ctr"/>
+              <a:lstStyle/>
+              <a:p>
+                <a:pPr algn="ctr"/>
+                <a:r>
+                  <a:rPr lang="fr-FR" dirty="0" smtClean="0"/>
+                  <a:t>Modèle de préférences communiqué (</a:t>
+                </a:r>
+                <a:r>
+                  <a:rPr lang="fr-FR" dirty="0" err="1" smtClean="0"/>
+                  <a:t>other</a:t>
+                </a:r>
+                <a:r>
+                  <a:rPr lang="fr-FR" dirty="0" smtClean="0"/>
+                  <a:t>-about-self) </a:t>
+                </a:r>
+                <a:r>
+                  <a:rPr lang="fr-FR" sz="2000" b="1" dirty="0" smtClean="0"/>
+                  <a:t>P</a:t>
+                </a:r>
+                <a:r>
+                  <a:rPr lang="fr-FR" sz="2000" b="1" baseline="-25000" dirty="0" smtClean="0"/>
+                  <a:t>oas</a:t>
+                </a:r>
+              </a:p>
+            </p:txBody>
+          </p:sp>
+        </p:grpSp>
+      </p:grpSp>
+      <p:grpSp>
+        <p:nvGrpSpPr>
+          <p:cNvPr id="35" name="Groupe 34"/>
+          <p:cNvGrpSpPr/>
+          <p:nvPr/>
+        </p:nvGrpSpPr>
+        <p:grpSpPr>
+          <a:xfrm>
+            <a:off x="4121947" y="4758566"/>
+            <a:ext cx="2700300" cy="1528823"/>
+            <a:chOff x="3083791" y="5068529"/>
+            <a:chExt cx="2700300" cy="1528823"/>
+          </a:xfrm>
+        </p:grpSpPr>
+        <p:sp>
+          <p:nvSpPr>
+            <p:cNvPr id="21" name="Rectangle 20"/>
+            <p:cNvSpPr/>
+            <p:nvPr/>
+          </p:nvSpPr>
+          <p:spPr>
+            <a:xfrm>
+              <a:off x="3083792" y="5068529"/>
+              <a:ext cx="2700299" cy="448703"/>
+            </a:xfrm>
+            <a:prstGeom prst="rect">
+              <a:avLst/>
+            </a:prstGeom>
+            <a:noFill/>
+            <a:ln w="3175">
+              <a:solidFill>
+                <a:schemeClr val="tx1"/>
+              </a:solidFill>
+            </a:ln>
+          </p:spPr>
+          <p:style>
+            <a:lnRef idx="2">
+              <a:schemeClr val="accent1">
+                <a:shade val="50000"/>
+              </a:schemeClr>
+            </a:lnRef>
+            <a:fillRef idx="1">
+              <a:schemeClr val="accent1"/>
+            </a:fillRef>
+            <a:effectRef idx="0">
+              <a:schemeClr val="accent1"/>
+            </a:effectRef>
+            <a:fontRef idx="minor">
+              <a:schemeClr val="lt1"/>
+            </a:fontRef>
+          </p:style>
+          <p:txBody>
+            <a:bodyPr rtlCol="0" anchor="ctr"/>
+            <a:lstStyle/>
+            <a:p>
+              <a:pPr algn="ctr"/>
+              <a:r>
+                <a:rPr lang="fr-FR" sz="2000" b="1" dirty="0" smtClean="0">
+                  <a:solidFill>
+                    <a:schemeClr val="tx1"/>
+                  </a:solidFill>
+                </a:rPr>
+                <a:t>Contexte du dialogue</a:t>
+              </a:r>
+              <a:endParaRPr lang="fr-FR" sz="2000" b="1" dirty="0">
+                <a:solidFill>
+                  <a:schemeClr val="tx1"/>
+                </a:solidFill>
+              </a:endParaRPr>
+            </a:p>
+          </p:txBody>
+        </p:sp>
+        <p:sp>
+          <p:nvSpPr>
+            <p:cNvPr id="25" name="Rectangle 24"/>
+            <p:cNvSpPr/>
+            <p:nvPr/>
+          </p:nvSpPr>
+          <p:spPr>
+            <a:xfrm>
+              <a:off x="3083791" y="5517232"/>
+              <a:ext cx="2700299" cy="1080120"/>
+            </a:xfrm>
+            <a:prstGeom prst="rect">
+              <a:avLst/>
+            </a:prstGeom>
+            <a:noFill/>
+            <a:ln w="3175">
+              <a:solidFill>
+                <a:schemeClr val="tx1"/>
+              </a:solidFill>
+            </a:ln>
+          </p:spPr>
+          <p:style>
+            <a:lnRef idx="2">
+              <a:schemeClr val="accent1">
+                <a:shade val="50000"/>
+              </a:schemeClr>
+            </a:lnRef>
+            <a:fillRef idx="1">
+              <a:schemeClr val="accent1"/>
+            </a:fillRef>
+            <a:effectRef idx="0">
+              <a:schemeClr val="accent1"/>
+            </a:effectRef>
+            <a:fontRef idx="minor">
+              <a:schemeClr val="lt1"/>
+            </a:fontRef>
+          </p:style>
+          <p:txBody>
+            <a:bodyPr rtlCol="0" anchor="ctr"/>
+            <a:lstStyle/>
+            <a:p>
+              <a:pPr algn="ctr"/>
+              <a:endParaRPr lang="fr-FR" sz="2000" dirty="0">
+                <a:solidFill>
+                  <a:schemeClr val="tx1"/>
+                </a:solidFill>
+              </a:endParaRPr>
+            </a:p>
+          </p:txBody>
+        </p:sp>
+        <p:sp>
+          <p:nvSpPr>
+            <p:cNvPr id="24" name="Rectangle 23"/>
+            <p:cNvSpPr/>
+            <p:nvPr/>
+          </p:nvSpPr>
+          <p:spPr>
+            <a:xfrm>
+              <a:off x="3209805" y="5620083"/>
+              <a:ext cx="1224136" cy="437209"/>
+            </a:xfrm>
+            <a:prstGeom prst="rect">
+              <a:avLst/>
+            </a:prstGeom>
+            <a:solidFill>
+              <a:schemeClr val="accent1">
+                <a:lumMod val="60000"/>
+                <a:lumOff val="40000"/>
+              </a:schemeClr>
+            </a:solidFill>
+            <a:ln>
+              <a:noFill/>
+            </a:ln>
+          </p:spPr>
+          <p:style>
+            <a:lnRef idx="2">
+              <a:schemeClr val="accent1"/>
+            </a:lnRef>
+            <a:fillRef idx="1">
+              <a:schemeClr val="lt1"/>
+            </a:fillRef>
+            <a:effectRef idx="0">
+              <a:schemeClr val="accent1"/>
+            </a:effectRef>
+            <a:fontRef idx="minor">
+              <a:schemeClr val="dk1"/>
+            </a:fontRef>
+          </p:style>
+          <p:txBody>
+            <a:bodyPr rtlCol="0" anchor="ctr"/>
+            <a:lstStyle/>
+            <a:p>
+              <a:pPr algn="ctr"/>
+              <a:r>
+                <a:rPr lang="fr-FR" dirty="0" err="1" smtClean="0">
+                  <a:solidFill>
+                    <a:schemeClr val="dk1"/>
+                  </a:solidFill>
+                </a:rPr>
+                <a:t>Proposals</a:t>
+              </a:r>
+              <a:endParaRPr lang="fr-FR" dirty="0">
+                <a:solidFill>
+                  <a:schemeClr val="dk1"/>
+                </a:solidFill>
+              </a:endParaRPr>
+            </a:p>
+          </p:txBody>
+        </p:sp>
+        <p:sp>
+          <p:nvSpPr>
+            <p:cNvPr id="28" name="Rectangle 27"/>
+            <p:cNvSpPr/>
+            <p:nvPr/>
+          </p:nvSpPr>
+          <p:spPr>
+            <a:xfrm>
+              <a:off x="4470441" y="5620082"/>
+              <a:ext cx="1224136" cy="437209"/>
+            </a:xfrm>
+            <a:prstGeom prst="rect">
+              <a:avLst/>
+            </a:prstGeom>
+            <a:solidFill>
+              <a:schemeClr val="accent1">
+                <a:lumMod val="60000"/>
+                <a:lumOff val="40000"/>
+              </a:schemeClr>
+            </a:solidFill>
+            <a:ln>
+              <a:noFill/>
+            </a:ln>
+          </p:spPr>
+          <p:style>
+            <a:lnRef idx="2">
+              <a:schemeClr val="accent1"/>
+            </a:lnRef>
+            <a:fillRef idx="1">
+              <a:schemeClr val="lt1"/>
+            </a:fillRef>
+            <a:effectRef idx="0">
+              <a:schemeClr val="accent1"/>
+            </a:effectRef>
+            <a:fontRef idx="minor">
+              <a:schemeClr val="dk1"/>
+            </a:fontRef>
+          </p:style>
+          <p:txBody>
+            <a:bodyPr rtlCol="0" anchor="ctr"/>
+            <a:lstStyle/>
+            <a:p>
+              <a:pPr algn="ctr"/>
+              <a:r>
+                <a:rPr lang="fr-FR" dirty="0" err="1" smtClean="0">
+                  <a:solidFill>
+                    <a:schemeClr val="dk1"/>
+                  </a:solidFill>
+                </a:rPr>
+                <a:t>Accepted</a:t>
+              </a:r>
+              <a:endParaRPr lang="fr-FR" dirty="0">
+                <a:solidFill>
+                  <a:schemeClr val="dk1"/>
+                </a:solidFill>
+              </a:endParaRPr>
+            </a:p>
+          </p:txBody>
+        </p:sp>
+        <p:sp>
+          <p:nvSpPr>
+            <p:cNvPr id="29" name="Rectangle 28"/>
+            <p:cNvSpPr/>
+            <p:nvPr/>
+          </p:nvSpPr>
+          <p:spPr>
+            <a:xfrm>
+              <a:off x="3822261" y="6093296"/>
+              <a:ext cx="1224136" cy="437209"/>
+            </a:xfrm>
+            <a:prstGeom prst="rect">
+              <a:avLst/>
+            </a:prstGeom>
+            <a:solidFill>
+              <a:schemeClr val="accent1">
+                <a:lumMod val="60000"/>
+                <a:lumOff val="40000"/>
+              </a:schemeClr>
+            </a:solidFill>
+            <a:ln>
+              <a:noFill/>
+            </a:ln>
+          </p:spPr>
+          <p:style>
+            <a:lnRef idx="2">
+              <a:schemeClr val="accent1"/>
+            </a:lnRef>
+            <a:fillRef idx="1">
+              <a:schemeClr val="lt1"/>
+            </a:fillRef>
+            <a:effectRef idx="0">
+              <a:schemeClr val="accent1"/>
+            </a:effectRef>
+            <a:fontRef idx="minor">
+              <a:schemeClr val="dk1"/>
+            </a:fontRef>
+          </p:style>
+          <p:txBody>
+            <a:bodyPr rtlCol="0" anchor="ctr"/>
+            <a:lstStyle/>
+            <a:p>
+              <a:pPr algn="ctr"/>
+              <a:r>
+                <a:rPr lang="fr-FR" dirty="0" err="1" smtClean="0">
+                  <a:solidFill>
+                    <a:schemeClr val="dk1"/>
+                  </a:solidFill>
+                </a:rPr>
+                <a:t>Rejected</a:t>
+              </a:r>
+              <a:endParaRPr lang="fr-FR" dirty="0">
+                <a:solidFill>
+                  <a:schemeClr val="dk1"/>
+                </a:solidFill>
+              </a:endParaRPr>
+            </a:p>
+          </p:txBody>
+        </p:sp>
+      </p:grpSp>
+      <p:grpSp>
+        <p:nvGrpSpPr>
+          <p:cNvPr id="36" name="Groupe 35"/>
+          <p:cNvGrpSpPr/>
+          <p:nvPr/>
+        </p:nvGrpSpPr>
+        <p:grpSpPr>
+          <a:xfrm>
+            <a:off x="4283965" y="1560491"/>
+            <a:ext cx="2376267" cy="1868509"/>
+            <a:chOff x="3851919" y="2266550"/>
+            <a:chExt cx="2376267" cy="1868509"/>
+          </a:xfrm>
+        </p:grpSpPr>
+        <p:sp>
+          <p:nvSpPr>
+            <p:cNvPr id="32" name="Rectangle 31"/>
+            <p:cNvSpPr/>
+            <p:nvPr/>
+          </p:nvSpPr>
+          <p:spPr>
+            <a:xfrm>
+              <a:off x="3851919" y="2266550"/>
+              <a:ext cx="2376265" cy="612067"/>
+            </a:xfrm>
+            <a:prstGeom prst="rect">
+              <a:avLst/>
+            </a:prstGeom>
+            <a:noFill/>
+            <a:ln w="3175">
+              <a:solidFill>
+                <a:schemeClr val="tx1"/>
+              </a:solidFill>
+            </a:ln>
+          </p:spPr>
+          <p:style>
+            <a:lnRef idx="2">
+              <a:schemeClr val="accent1">
+                <a:shade val="50000"/>
+              </a:schemeClr>
+            </a:lnRef>
+            <a:fillRef idx="1">
+              <a:schemeClr val="accent1"/>
+            </a:fillRef>
+            <a:effectRef idx="0">
+              <a:schemeClr val="accent1"/>
+            </a:effectRef>
+            <a:fontRef idx="minor">
+              <a:schemeClr val="lt1"/>
+            </a:fontRef>
+          </p:style>
+          <p:txBody>
+            <a:bodyPr rtlCol="0" anchor="ctr"/>
+            <a:lstStyle/>
+            <a:p>
+              <a:pPr algn="ctr"/>
+              <a:r>
+                <a:rPr lang="fr-FR" sz="2000" b="1" dirty="0" smtClean="0">
+                  <a:solidFill>
+                    <a:schemeClr val="tx1"/>
+                  </a:solidFill>
+                </a:rPr>
+                <a:t>Module de communication</a:t>
+              </a:r>
+              <a:endParaRPr lang="fr-FR" sz="2000" b="1" dirty="0">
+                <a:solidFill>
+                  <a:schemeClr val="tx1"/>
+                </a:solidFill>
+              </a:endParaRPr>
+            </a:p>
+          </p:txBody>
+        </p:sp>
+        <p:sp>
+          <p:nvSpPr>
+            <p:cNvPr id="33" name="Rectangle 32"/>
+            <p:cNvSpPr/>
+            <p:nvPr/>
+          </p:nvSpPr>
+          <p:spPr>
+            <a:xfrm>
+              <a:off x="3851920" y="2878616"/>
+              <a:ext cx="2376266" cy="1256443"/>
+            </a:xfrm>
+            <a:prstGeom prst="rect">
+              <a:avLst/>
+            </a:prstGeom>
+            <a:noFill/>
+            <a:ln w="3175">
+              <a:solidFill>
+                <a:schemeClr val="tx1"/>
+              </a:solidFill>
+            </a:ln>
+          </p:spPr>
+          <p:style>
+            <a:lnRef idx="2">
+              <a:schemeClr val="accent1">
+                <a:shade val="50000"/>
+              </a:schemeClr>
+            </a:lnRef>
+            <a:fillRef idx="1">
+              <a:schemeClr val="accent1"/>
+            </a:fillRef>
+            <a:effectRef idx="0">
+              <a:schemeClr val="accent1"/>
+            </a:effectRef>
+            <a:fontRef idx="minor">
+              <a:schemeClr val="lt1"/>
+            </a:fontRef>
+          </p:style>
+          <p:txBody>
+            <a:bodyPr rtlCol="0" anchor="ctr"/>
+            <a:lstStyle/>
+            <a:p>
+              <a:pPr algn="ctr"/>
+              <a:endParaRPr lang="fr-FR" sz="2000" dirty="0">
+                <a:solidFill>
+                  <a:schemeClr val="tx1"/>
+                </a:solidFill>
+              </a:endParaRPr>
+            </a:p>
+          </p:txBody>
+        </p:sp>
+        <p:sp>
+          <p:nvSpPr>
+            <p:cNvPr id="37" name="Rectangle 36"/>
+            <p:cNvSpPr/>
+            <p:nvPr/>
+          </p:nvSpPr>
+          <p:spPr>
+            <a:xfrm>
+              <a:off x="4011122" y="2991791"/>
+              <a:ext cx="2070550" cy="437209"/>
+            </a:xfrm>
+            <a:prstGeom prst="rect">
+              <a:avLst/>
+            </a:prstGeom>
+            <a:ln/>
+          </p:spPr>
+          <p:style>
+            <a:lnRef idx="1">
+              <a:schemeClr val="accent1"/>
+            </a:lnRef>
+            <a:fillRef idx="3">
+              <a:schemeClr val="accent1"/>
+            </a:fillRef>
+            <a:effectRef idx="2">
+              <a:schemeClr val="accent1"/>
+            </a:effectRef>
+            <a:fontRef idx="minor">
+              <a:schemeClr val="lt1"/>
+            </a:fontRef>
+          </p:style>
+          <p:txBody>
+            <a:bodyPr rtlCol="0" anchor="ctr"/>
+            <a:lstStyle/>
+            <a:p>
+              <a:pPr algn="ctr"/>
+              <a:r>
+                <a:rPr lang="fr-FR" sz="2000" b="1" dirty="0" smtClean="0">
+                  <a:solidFill>
+                    <a:schemeClr val="dk1"/>
+                  </a:solidFill>
+                </a:rPr>
+                <a:t>Actes de dialogue</a:t>
+              </a:r>
+              <a:endParaRPr lang="fr-FR" sz="2000" b="1" dirty="0">
+                <a:solidFill>
+                  <a:schemeClr val="dk1"/>
+                </a:solidFill>
+              </a:endParaRPr>
+            </a:p>
+          </p:txBody>
+        </p:sp>
+        <p:sp>
+          <p:nvSpPr>
+            <p:cNvPr id="38" name="Rectangle 37"/>
+            <p:cNvSpPr/>
+            <p:nvPr/>
+          </p:nvSpPr>
+          <p:spPr>
+            <a:xfrm>
+              <a:off x="4011122" y="3527421"/>
+              <a:ext cx="2070550" cy="549651"/>
+            </a:xfrm>
+            <a:prstGeom prst="rect">
+              <a:avLst/>
+            </a:prstGeom>
+            <a:solidFill>
+              <a:schemeClr val="accent1">
+                <a:lumMod val="60000"/>
+                <a:lumOff val="40000"/>
+              </a:schemeClr>
+            </a:solidFill>
+            <a:ln>
+              <a:noFill/>
+            </a:ln>
+          </p:spPr>
+          <p:style>
+            <a:lnRef idx="2">
+              <a:schemeClr val="accent1"/>
+            </a:lnRef>
+            <a:fillRef idx="1">
+              <a:schemeClr val="lt1"/>
+            </a:fillRef>
+            <a:effectRef idx="0">
+              <a:schemeClr val="accent1"/>
+            </a:effectRef>
+            <a:fontRef idx="minor">
+              <a:schemeClr val="dk1"/>
+            </a:fontRef>
+          </p:style>
+          <p:txBody>
+            <a:bodyPr rtlCol="0" anchor="ctr"/>
+            <a:lstStyle/>
+            <a:p>
+              <a:pPr algn="ctr"/>
+              <a:r>
+                <a:rPr lang="fr-FR" dirty="0" smtClean="0">
+                  <a:solidFill>
+                    <a:schemeClr val="dk1"/>
+                  </a:solidFill>
+                </a:rPr>
+                <a:t>Relation interpersonnelle</a:t>
+              </a:r>
+              <a:endParaRPr lang="fr-FR" dirty="0">
+                <a:solidFill>
+                  <a:schemeClr val="dk1"/>
+                </a:solidFill>
+              </a:endParaRPr>
+            </a:p>
+          </p:txBody>
+        </p:sp>
+      </p:grpSp>
+      <p:cxnSp>
+        <p:nvCxnSpPr>
+          <p:cNvPr id="40" name="Connecteur droit avec flèche 39"/>
+          <p:cNvCxnSpPr/>
+          <p:nvPr/>
+        </p:nvCxnSpPr>
+        <p:spPr>
+          <a:xfrm flipH="1" flipV="1">
+            <a:off x="2807805" y="1941175"/>
+            <a:ext cx="1476161" cy="15488"/>
+          </a:xfrm>
+          <a:prstGeom prst="straightConnector1">
+            <a:avLst/>
+          </a:prstGeom>
+          <a:ln w="12700">
+            <a:solidFill>
+              <a:schemeClr val="tx1"/>
+            </a:solidFill>
+            <a:tailEnd type="arrow"/>
+          </a:ln>
+        </p:spPr>
+        <p:style>
+          <a:lnRef idx="1">
+            <a:schemeClr val="accent1"/>
+          </a:lnRef>
+          <a:fillRef idx="0">
+            <a:schemeClr val="accent1"/>
+          </a:fillRef>
+          <a:effectRef idx="0">
+            <a:schemeClr val="accent1"/>
+          </a:effectRef>
+          <a:fontRef idx="minor">
+            <a:schemeClr val="tx1"/>
+          </a:fontRef>
+        </p:style>
+      </p:cxnSp>
+      <p:sp>
+        <p:nvSpPr>
+          <p:cNvPr id="41" name="Rectangle 40"/>
+          <p:cNvSpPr/>
+          <p:nvPr/>
+        </p:nvSpPr>
+        <p:spPr>
+          <a:xfrm>
+            <a:off x="3203848" y="1700808"/>
+            <a:ext cx="648072" cy="435811"/>
+          </a:xfrm>
+          <a:prstGeom prst="rect">
+            <a:avLst/>
+          </a:prstGeom>
+          <a:solidFill>
+            <a:schemeClr val="bg1"/>
+          </a:solidFill>
+          <a:ln w="12700">
+            <a:solidFill>
+              <a:schemeClr val="tx1"/>
+            </a:solidFill>
+          </a:ln>
+        </p:spPr>
+        <p:style>
+          <a:lnRef idx="2">
+            <a:schemeClr val="accent1">
+              <a:shade val="50000"/>
+            </a:schemeClr>
+          </a:lnRef>
+          <a:fillRef idx="1">
+            <a:schemeClr val="accent1"/>
+          </a:fillRef>
+          <a:effectRef idx="0">
+            <a:schemeClr val="accent1"/>
+          </a:effectRef>
+          <a:fontRef idx="minor">
+            <a:schemeClr val="lt1"/>
+          </a:fontRef>
+        </p:style>
+        <p:txBody>
+          <a:bodyPr rtlCol="0" anchor="ctr"/>
+          <a:lstStyle/>
+          <a:p>
+            <a:pPr algn="ctr"/>
+            <a:r>
+              <a:rPr lang="fr-FR" dirty="0" smtClean="0">
+                <a:solidFill>
+                  <a:schemeClr val="tx1"/>
+                </a:solidFill>
+              </a:rPr>
+              <a:t>MAJ</a:t>
+            </a:r>
+            <a:endParaRPr lang="fr-FR" dirty="0">
+              <a:solidFill>
+                <a:schemeClr val="tx1"/>
+              </a:solidFill>
+            </a:endParaRPr>
+          </a:p>
+        </p:txBody>
+      </p:sp>
+      <p:cxnSp>
+        <p:nvCxnSpPr>
+          <p:cNvPr id="61" name="Connecteur droit avec flèche 60"/>
+          <p:cNvCxnSpPr/>
+          <p:nvPr/>
+        </p:nvCxnSpPr>
+        <p:spPr>
+          <a:xfrm>
+            <a:off x="2807805" y="2852936"/>
+            <a:ext cx="1476161" cy="0"/>
+          </a:xfrm>
+          <a:prstGeom prst="straightConnector1">
+            <a:avLst/>
+          </a:prstGeom>
+          <a:ln w="12700">
+            <a:solidFill>
+              <a:schemeClr val="tx1"/>
+            </a:solidFill>
+            <a:tailEnd type="arrow"/>
+          </a:ln>
+        </p:spPr>
+        <p:style>
+          <a:lnRef idx="1">
+            <a:schemeClr val="accent1"/>
+          </a:lnRef>
+          <a:fillRef idx="0">
+            <a:schemeClr val="accent1"/>
+          </a:fillRef>
+          <a:effectRef idx="0">
+            <a:schemeClr val="accent1"/>
+          </a:effectRef>
+          <a:fontRef idx="minor">
+            <a:schemeClr val="tx1"/>
+          </a:fontRef>
+        </p:style>
+      </p:cxnSp>
+      <p:sp>
+        <p:nvSpPr>
+          <p:cNvPr id="62" name="Rectangle 61"/>
+          <p:cNvSpPr/>
+          <p:nvPr/>
+        </p:nvSpPr>
+        <p:spPr>
+          <a:xfrm>
+            <a:off x="2954217" y="2564904"/>
+            <a:ext cx="1113728" cy="576064"/>
+          </a:xfrm>
+          <a:prstGeom prst="rect">
+            <a:avLst/>
+          </a:prstGeom>
+          <a:solidFill>
+            <a:schemeClr val="bg1"/>
+          </a:solidFill>
+          <a:ln w="12700">
+            <a:solidFill>
+              <a:schemeClr val="tx1"/>
+            </a:solidFill>
+          </a:ln>
+        </p:spPr>
+        <p:style>
+          <a:lnRef idx="2">
+            <a:schemeClr val="accent1">
+              <a:shade val="50000"/>
+            </a:schemeClr>
+          </a:lnRef>
+          <a:fillRef idx="1">
+            <a:schemeClr val="accent1"/>
+          </a:fillRef>
+          <a:effectRef idx="0">
+            <a:schemeClr val="accent1"/>
+          </a:effectRef>
+          <a:fontRef idx="minor">
+            <a:schemeClr val="lt1"/>
+          </a:fontRef>
+        </p:style>
+        <p:txBody>
+          <a:bodyPr rtlCol="0" anchor="ctr"/>
+          <a:lstStyle/>
+          <a:p>
+            <a:pPr algn="ctr"/>
+            <a:r>
+              <a:rPr lang="fr-FR" dirty="0" smtClean="0">
+                <a:solidFill>
+                  <a:schemeClr val="tx1"/>
+                </a:solidFill>
+              </a:rPr>
+              <a:t>Choix</a:t>
+            </a:r>
+          </a:p>
+          <a:p>
+            <a:pPr algn="ctr"/>
+            <a:r>
+              <a:rPr lang="fr-FR" dirty="0" smtClean="0">
+                <a:solidFill>
+                  <a:schemeClr val="tx1"/>
+                </a:solidFill>
+              </a:rPr>
+              <a:t>(valeurs)</a:t>
+            </a:r>
+            <a:endParaRPr lang="fr-FR" dirty="0">
+              <a:solidFill>
+                <a:schemeClr val="tx1"/>
+              </a:solidFill>
+            </a:endParaRPr>
+          </a:p>
+        </p:txBody>
+      </p:sp>
+      <p:cxnSp>
+        <p:nvCxnSpPr>
+          <p:cNvPr id="1030" name="Connecteur en angle 1029"/>
+          <p:cNvCxnSpPr>
+            <a:stCxn id="32" idx="0"/>
+            <a:endCxn id="1026" idx="0"/>
+          </p:cNvCxnSpPr>
+          <p:nvPr/>
+        </p:nvCxnSpPr>
+        <p:spPr>
+          <a:xfrm rot="16200000" flipH="1">
+            <a:off x="6916755" y="115833"/>
+            <a:ext cx="284333" cy="3173649"/>
+          </a:xfrm>
+          <a:prstGeom prst="bentConnector3">
+            <a:avLst>
+              <a:gd name="adj1" fmla="val -80399"/>
+            </a:avLst>
+          </a:prstGeom>
+          <a:ln w="12700">
+            <a:solidFill>
+              <a:schemeClr val="tx1"/>
+            </a:solidFill>
+            <a:tailEnd type="triangle"/>
+          </a:ln>
+        </p:spPr>
+        <p:style>
+          <a:lnRef idx="1">
+            <a:schemeClr val="accent1"/>
+          </a:lnRef>
+          <a:fillRef idx="0">
+            <a:schemeClr val="accent1"/>
+          </a:fillRef>
+          <a:effectRef idx="0">
+            <a:schemeClr val="accent1"/>
+          </a:effectRef>
+          <a:fontRef idx="minor">
+            <a:schemeClr val="tx1"/>
+          </a:fontRef>
+        </p:style>
+      </p:cxnSp>
+      <p:sp>
+        <p:nvSpPr>
+          <p:cNvPr id="44" name="Rectangle 43"/>
+          <p:cNvSpPr/>
+          <p:nvPr/>
+        </p:nvSpPr>
+        <p:spPr>
+          <a:xfrm>
+            <a:off x="6741123" y="1138863"/>
+            <a:ext cx="897700" cy="345921"/>
+          </a:xfrm>
+          <a:prstGeom prst="rect">
+            <a:avLst/>
+          </a:prstGeom>
+          <a:solidFill>
+            <a:schemeClr val="bg1"/>
+          </a:solidFill>
+          <a:ln w="12700">
+            <a:solidFill>
+              <a:schemeClr val="tx1"/>
+            </a:solidFill>
+          </a:ln>
+        </p:spPr>
+        <p:style>
+          <a:lnRef idx="2">
+            <a:schemeClr val="accent1">
+              <a:shade val="50000"/>
+            </a:schemeClr>
+          </a:lnRef>
+          <a:fillRef idx="1">
+            <a:schemeClr val="accent1"/>
+          </a:fillRef>
+          <a:effectRef idx="0">
+            <a:schemeClr val="accent1"/>
+          </a:effectRef>
+          <a:fontRef idx="minor">
+            <a:schemeClr val="lt1"/>
+          </a:fontRef>
+        </p:style>
+        <p:txBody>
+          <a:bodyPr rtlCol="0" anchor="ctr"/>
+          <a:lstStyle/>
+          <a:p>
+            <a:pPr algn="ctr"/>
+            <a:r>
+              <a:rPr lang="fr-FR" dirty="0" smtClean="0">
+                <a:solidFill>
+                  <a:schemeClr val="tx1"/>
+                </a:solidFill>
+              </a:rPr>
+              <a:t>Envoie</a:t>
+            </a:r>
+            <a:endParaRPr lang="fr-FR" dirty="0">
+              <a:solidFill>
+                <a:schemeClr val="tx1"/>
+              </a:solidFill>
+            </a:endParaRPr>
+          </a:p>
+        </p:txBody>
+      </p:sp>
+      <p:cxnSp>
+        <p:nvCxnSpPr>
+          <p:cNvPr id="1042" name="Connecteur en angle 1041"/>
+          <p:cNvCxnSpPr>
+            <a:stCxn id="1026" idx="2"/>
+          </p:cNvCxnSpPr>
+          <p:nvPr/>
+        </p:nvCxnSpPr>
+        <p:spPr>
+          <a:xfrm rot="5400000">
+            <a:off x="7470428" y="1870573"/>
+            <a:ext cx="365128" cy="1985511"/>
+          </a:xfrm>
+          <a:prstGeom prst="bentConnector2">
+            <a:avLst/>
+          </a:prstGeom>
+          <a:ln w="12700">
+            <a:solidFill>
+              <a:schemeClr val="tx1"/>
+            </a:solidFill>
+            <a:tailEnd type="triangle"/>
+          </a:ln>
+        </p:spPr>
+        <p:style>
+          <a:lnRef idx="1">
+            <a:schemeClr val="accent1"/>
+          </a:lnRef>
+          <a:fillRef idx="0">
+            <a:schemeClr val="accent1"/>
+          </a:fillRef>
+          <a:effectRef idx="0">
+            <a:schemeClr val="accent1"/>
+          </a:effectRef>
+          <a:fontRef idx="minor">
+            <a:schemeClr val="tx1"/>
+          </a:fontRef>
+        </p:style>
+      </p:cxnSp>
+      <p:sp>
+        <p:nvSpPr>
+          <p:cNvPr id="56" name="Rectangle 55"/>
+          <p:cNvSpPr/>
+          <p:nvPr/>
+        </p:nvSpPr>
+        <p:spPr>
+          <a:xfrm>
+            <a:off x="6938528" y="2824869"/>
+            <a:ext cx="1161864" cy="435811"/>
+          </a:xfrm>
+          <a:prstGeom prst="rect">
+            <a:avLst/>
+          </a:prstGeom>
+          <a:solidFill>
+            <a:schemeClr val="bg1"/>
+          </a:solidFill>
+          <a:ln w="12700">
+            <a:solidFill>
+              <a:schemeClr val="tx1"/>
+            </a:solidFill>
+          </a:ln>
+        </p:spPr>
+        <p:style>
+          <a:lnRef idx="2">
+            <a:schemeClr val="accent1">
+              <a:shade val="50000"/>
+            </a:schemeClr>
+          </a:lnRef>
+          <a:fillRef idx="1">
+            <a:schemeClr val="accent1"/>
+          </a:fillRef>
+          <a:effectRef idx="0">
+            <a:schemeClr val="accent1"/>
+          </a:effectRef>
+          <a:fontRef idx="minor">
+            <a:schemeClr val="lt1"/>
+          </a:fontRef>
+        </p:style>
+        <p:txBody>
+          <a:bodyPr rtlCol="0" anchor="ctr"/>
+          <a:lstStyle/>
+          <a:p>
+            <a:pPr algn="ctr"/>
+            <a:r>
+              <a:rPr lang="fr-FR" dirty="0" smtClean="0">
+                <a:solidFill>
+                  <a:schemeClr val="tx1"/>
+                </a:solidFill>
+              </a:rPr>
+              <a:t>Réception</a:t>
+            </a:r>
+            <a:endParaRPr lang="fr-FR" dirty="0">
+              <a:solidFill>
+                <a:schemeClr val="tx1"/>
+              </a:solidFill>
+            </a:endParaRPr>
+          </a:p>
+        </p:txBody>
+      </p:sp>
+      <p:cxnSp>
+        <p:nvCxnSpPr>
+          <p:cNvPr id="1053" name="Connecteur droit avec flèche 1052"/>
+          <p:cNvCxnSpPr>
+            <a:endCxn id="21" idx="0"/>
+          </p:cNvCxnSpPr>
+          <p:nvPr/>
+        </p:nvCxnSpPr>
+        <p:spPr>
+          <a:xfrm>
+            <a:off x="5472096" y="3456325"/>
+            <a:ext cx="2" cy="1302241"/>
+          </a:xfrm>
+          <a:prstGeom prst="straightConnector1">
+            <a:avLst/>
+          </a:prstGeom>
+          <a:ln w="19050">
+            <a:solidFill>
+              <a:schemeClr val="tx1"/>
+            </a:solidFill>
+            <a:tailEnd type="arrow"/>
+          </a:ln>
+        </p:spPr>
+        <p:style>
+          <a:lnRef idx="1">
+            <a:schemeClr val="accent1"/>
+          </a:lnRef>
+          <a:fillRef idx="0">
+            <a:schemeClr val="accent1"/>
+          </a:fillRef>
+          <a:effectRef idx="0">
+            <a:schemeClr val="accent1"/>
+          </a:effectRef>
+          <a:fontRef idx="minor">
+            <a:schemeClr val="tx1"/>
+          </a:fontRef>
+        </p:style>
+      </p:cxnSp>
+      <p:sp>
+        <p:nvSpPr>
+          <p:cNvPr id="1054" name="Rectangle 1053"/>
+          <p:cNvSpPr/>
+          <p:nvPr/>
+        </p:nvSpPr>
+        <p:spPr>
+          <a:xfrm>
+            <a:off x="4565585" y="3933056"/>
+            <a:ext cx="1878623" cy="534971"/>
+          </a:xfrm>
+          <a:prstGeom prst="rect">
+            <a:avLst/>
+          </a:prstGeom>
+          <a:solidFill>
+            <a:schemeClr val="bg1"/>
+          </a:solidFill>
+          <a:ln w="12700">
+            <a:solidFill>
+              <a:schemeClr val="tx1"/>
+            </a:solidFill>
+          </a:ln>
+        </p:spPr>
+        <p:style>
+          <a:lnRef idx="2">
+            <a:schemeClr val="accent1">
+              <a:shade val="50000"/>
+            </a:schemeClr>
+          </a:lnRef>
+          <a:fillRef idx="1">
+            <a:schemeClr val="accent1"/>
+          </a:fillRef>
+          <a:effectRef idx="0">
+            <a:schemeClr val="accent1"/>
+          </a:effectRef>
+          <a:fontRef idx="minor">
+            <a:schemeClr val="lt1"/>
+          </a:fontRef>
+        </p:style>
+        <p:txBody>
+          <a:bodyPr rtlCol="0" anchor="ctr"/>
+          <a:lstStyle/>
+          <a:p>
+            <a:pPr algn="ctr"/>
+            <a:r>
+              <a:rPr lang="fr-FR" dirty="0" smtClean="0">
+                <a:solidFill>
+                  <a:schemeClr val="tx1"/>
+                </a:solidFill>
+              </a:rPr>
+              <a:t>MAJ </a:t>
+            </a:r>
+          </a:p>
+          <a:p>
+            <a:pPr algn="ctr"/>
+            <a:r>
+              <a:rPr lang="fr-FR" dirty="0" smtClean="0">
+                <a:solidFill>
+                  <a:schemeClr val="tx1"/>
+                </a:solidFill>
+              </a:rPr>
+              <a:t>des propositions</a:t>
+            </a:r>
+            <a:endParaRPr lang="fr-FR" dirty="0">
+              <a:solidFill>
+                <a:schemeClr val="tx1"/>
+              </a:solidFill>
+            </a:endParaRPr>
+          </a:p>
+        </p:txBody>
+      </p:sp>
+      <p:cxnSp>
+        <p:nvCxnSpPr>
+          <p:cNvPr id="3" name="Connecteur en angle 2"/>
+          <p:cNvCxnSpPr>
+            <a:stCxn id="21" idx="1"/>
+            <a:endCxn id="62" idx="2"/>
+          </p:cNvCxnSpPr>
+          <p:nvPr/>
+        </p:nvCxnSpPr>
+        <p:spPr>
+          <a:xfrm rot="10800000">
+            <a:off x="3511082" y="3140968"/>
+            <a:ext cx="610867" cy="1841950"/>
+          </a:xfrm>
+          <a:prstGeom prst="bentConnector2">
+            <a:avLst/>
+          </a:prstGeom>
+          <a:ln w="19050">
+            <a:solidFill>
+              <a:schemeClr val="tx1"/>
+            </a:solidFill>
+            <a:tailEnd type="arrow"/>
+          </a:ln>
+        </p:spPr>
+        <p:style>
+          <a:lnRef idx="1">
+            <a:schemeClr val="accent1"/>
+          </a:lnRef>
+          <a:fillRef idx="0">
+            <a:schemeClr val="accent1"/>
+          </a:fillRef>
+          <a:effectRef idx="0">
+            <a:schemeClr val="accent1"/>
+          </a:effectRef>
+          <a:fontRef idx="minor">
+            <a:schemeClr val="tx1"/>
+          </a:fontRef>
+        </p:style>
+      </p:cxnSp>
+      <p:sp>
+        <p:nvSpPr>
+          <p:cNvPr id="42" name="Rectangle 41"/>
+          <p:cNvSpPr/>
+          <p:nvPr/>
+        </p:nvSpPr>
+        <p:spPr>
+          <a:xfrm flipH="1">
+            <a:off x="113006" y="4149080"/>
+            <a:ext cx="2520282" cy="663275"/>
+          </a:xfrm>
+          <a:prstGeom prst="rect">
+            <a:avLst/>
+          </a:prstGeom>
+          <a:solidFill>
+            <a:schemeClr val="accent1">
+              <a:lumMod val="60000"/>
+              <a:lumOff val="40000"/>
+            </a:schemeClr>
+          </a:solidFill>
+          <a:ln>
+            <a:noFill/>
+          </a:ln>
+        </p:spPr>
+        <p:style>
+          <a:lnRef idx="2">
+            <a:schemeClr val="accent1"/>
+          </a:lnRef>
+          <a:fillRef idx="1">
+            <a:schemeClr val="lt1"/>
+          </a:fillRef>
+          <a:effectRef idx="0">
+            <a:schemeClr val="accent1"/>
+          </a:effectRef>
+          <a:fontRef idx="minor">
+            <a:schemeClr val="dk1"/>
+          </a:fontRef>
+        </p:style>
+        <p:txBody>
+          <a:bodyPr rtlCol="0" anchor="ctr"/>
+          <a:lstStyle/>
+          <a:p>
+            <a:pPr algn="ctr"/>
+            <a:r>
+              <a:rPr lang="fr-FR" dirty="0" smtClean="0"/>
+              <a:t>Modèle de préférences </a:t>
+            </a:r>
+            <a:r>
+              <a:rPr lang="fr-FR" dirty="0" smtClean="0"/>
+              <a:t>sur les critères </a:t>
+            </a:r>
+            <a:r>
+              <a:rPr lang="fr-FR" sz="2000" b="1" dirty="0" smtClean="0"/>
+              <a:t>P</a:t>
+            </a:r>
+            <a:r>
+              <a:rPr lang="fr-FR" sz="2000" b="1" baseline="-25000" dirty="0"/>
+              <a:t>C</a:t>
+            </a:r>
+            <a:endParaRPr lang="fr-FR" sz="2000" b="1" dirty="0"/>
+          </a:p>
+        </p:txBody>
+      </p:sp>
+    </p:spTree>
+    <p:extLst>
+      <p:ext uri="{BB962C8B-B14F-4D97-AF65-F5344CB8AC3E}">
+        <p14:creationId xmlns:p14="http://schemas.microsoft.com/office/powerpoint/2010/main" val="2505545825"/>
+      </p:ext>
+    </p:extLst>
+  </p:cSld>
+  <p:clrMapOvr>
+    <a:masterClrMapping/>
+  </p:clrMapOvr>
+</p:sld>
+</file>
+
 <file path=ppt/theme/theme1.xml><?xml version="1.0" encoding="utf-8"?>
 <a:theme xmlns:a="http://schemas.openxmlformats.org/drawingml/2006/main" name="Thème Office">
   <a:themeElements>
